--- a/PythonCodeAndDocs/Lessons/Lesson 2_ Hello World!.pptx
+++ b/PythonCodeAndDocs/Lessons/Lesson 2_ Hello World!.pptx
@@ -10,28 +10,39 @@
   <p:sldIdLst>
     <p:sldId id="256" r:id="rId5"/>
     <p:sldId id="257" r:id="rId6"/>
+    <p:sldId id="258" r:id="rId7"/>
+    <p:sldId id="259" r:id="rId8"/>
+    <p:sldId id="260" r:id="rId9"/>
+    <p:sldId id="261" r:id="rId10"/>
+    <p:sldId id="262" r:id="rId11"/>
+    <p:sldId id="263" r:id="rId12"/>
+    <p:sldId id="264" r:id="rId13"/>
+    <p:sldId id="265" r:id="rId14"/>
+    <p:sldId id="266" r:id="rId15"/>
+    <p:sldId id="267" r:id="rId16"/>
+    <p:sldId id="268" r:id="rId17"/>
   </p:sldIdLst>
   <p:sldSz cy="5143500" cx="9144000"/>
   <p:notesSz cx="6858000" cy="9144000"/>
   <p:embeddedFontLst>
     <p:embeddedFont>
       <p:font typeface="Playfair Display"/>
-      <p:regular r:id="rId7"/>
-      <p:bold r:id="rId8"/>
-      <p:italic r:id="rId9"/>
-      <p:boldItalic r:id="rId10"/>
+      <p:regular r:id="rId18"/>
+      <p:bold r:id="rId19"/>
+      <p:italic r:id="rId20"/>
+      <p:boldItalic r:id="rId21"/>
     </p:embeddedFont>
     <p:embeddedFont>
       <p:font typeface="Montserrat"/>
-      <p:regular r:id="rId11"/>
-      <p:bold r:id="rId12"/>
-      <p:italic r:id="rId13"/>
-      <p:boldItalic r:id="rId14"/>
+      <p:regular r:id="rId22"/>
+      <p:bold r:id="rId23"/>
+      <p:italic r:id="rId24"/>
+      <p:boldItalic r:id="rId25"/>
     </p:embeddedFont>
     <p:embeddedFont>
       <p:font typeface="Oswald"/>
-      <p:regular r:id="rId15"/>
-      <p:bold r:id="rId16"/>
+      <p:regular r:id="rId26"/>
+      <p:bold r:id="rId27"/>
     </p:embeddedFont>
   </p:embeddedFontLst>
   <p:defaultTextStyle>
@@ -483,12 +494,12 @@
 </p:notes>
 </file>
 
-<file path=ppt/notesSlides/notesSlide2.xml><?xml version="1.0" encoding="utf-8"?>
+<file path=ppt/notesSlides/notesSlide10.xml><?xml version="1.0" encoding="utf-8"?>
 <p:notes xmlns:a="http://schemas.openxmlformats.org/drawingml/2006/main" xmlns:r="http://schemas.openxmlformats.org/officeDocument/2006/relationships" xmlns:mc="http://schemas.openxmlformats.org/markup-compatibility/2006" xmlns:mv="urn:schemas-microsoft-com:mac:vml" xmlns:p="http://schemas.openxmlformats.org/presentationml/2006/main" xmlns:c="http://schemas.openxmlformats.org/drawingml/2006/chart" xmlns:dgm="http://schemas.openxmlformats.org/drawingml/2006/diagram" xmlns:o="urn:schemas-microsoft-com:office:office" xmlns:v="urn:schemas-microsoft-com:vml" xmlns:pvml="urn:schemas-microsoft-com:office:powerpoint" xmlns:com="http://schemas.openxmlformats.org/drawingml/2006/compatibility" xmlns:p14="http://schemas.microsoft.com/office/powerpoint/2010/main" xmlns:p15="http://schemas.microsoft.com/office/powerpoint/2012/main" showMasterPhAnim="0" showMasterSp="0">
   <p:cSld>
     <p:spTree>
       <p:nvGrpSpPr>
-        <p:cNvPr id="60" name="Shape 60"/>
+        <p:cNvPr id="114" name="Shape 114"/>
         <p:cNvGrpSpPr/>
         <p:nvPr/>
       </p:nvGrpSpPr>
@@ -502,7 +513,7 @@
       </p:grpSpPr>
       <p:sp>
         <p:nvSpPr>
-          <p:cNvPr id="61" name="Shape 61"/>
+          <p:cNvPr id="115" name="Shape 115"/>
           <p:cNvSpPr/>
           <p:nvPr>
             <p:ph idx="2" type="sldImg"/>
@@ -536,7 +547,7 @@
       </p:sp>
       <p:sp>
         <p:nvSpPr>
-          <p:cNvPr id="62" name="Shape 62"/>
+          <p:cNvPr id="116" name="Shape 116"/>
           <p:cNvSpPr txBox="1"/>
           <p:nvPr>
             <p:ph idx="1" type="body"/>
@@ -558,6 +569,1051 @@
           <a:lstStyle/>
           <a:p>
             <a:pPr lvl="0">
+              <a:spcBef>
+                <a:spcPts val="0"/>
+              </a:spcBef>
+              <a:buNone/>
+            </a:pPr>
+            <a:r>
+              <a:t/>
+            </a:r>
+            <a:endParaRPr/>
+          </a:p>
+        </p:txBody>
+      </p:sp>
+    </p:spTree>
+  </p:cSld>
+  <p:clrMapOvr>
+    <a:masterClrMapping/>
+  </p:clrMapOvr>
+</p:notes>
+</file>
+
+<file path=ppt/notesSlides/notesSlide11.xml><?xml version="1.0" encoding="utf-8"?>
+<p:notes xmlns:a="http://schemas.openxmlformats.org/drawingml/2006/main" xmlns:r="http://schemas.openxmlformats.org/officeDocument/2006/relationships" xmlns:mc="http://schemas.openxmlformats.org/markup-compatibility/2006" xmlns:mv="urn:schemas-microsoft-com:mac:vml" xmlns:p="http://schemas.openxmlformats.org/presentationml/2006/main" xmlns:c="http://schemas.openxmlformats.org/drawingml/2006/chart" xmlns:dgm="http://schemas.openxmlformats.org/drawingml/2006/diagram" xmlns:o="urn:schemas-microsoft-com:office:office" xmlns:v="urn:schemas-microsoft-com:vml" xmlns:pvml="urn:schemas-microsoft-com:office:powerpoint" xmlns:com="http://schemas.openxmlformats.org/drawingml/2006/compatibility" xmlns:p14="http://schemas.microsoft.com/office/powerpoint/2010/main" xmlns:p15="http://schemas.microsoft.com/office/powerpoint/2012/main" showMasterPhAnim="0" showMasterSp="0">
+  <p:cSld>
+    <p:spTree>
+      <p:nvGrpSpPr>
+        <p:cNvPr id="122" name="Shape 122"/>
+        <p:cNvGrpSpPr/>
+        <p:nvPr/>
+      </p:nvGrpSpPr>
+      <p:grpSpPr>
+        <a:xfrm>
+          <a:off x="0" y="0"/>
+          <a:ext cx="0" cy="0"/>
+          <a:chOff x="0" y="0"/>
+          <a:chExt cx="0" cy="0"/>
+        </a:xfrm>
+      </p:grpSpPr>
+      <p:sp>
+        <p:nvSpPr>
+          <p:cNvPr id="123" name="Shape 123"/>
+          <p:cNvSpPr/>
+          <p:nvPr>
+            <p:ph idx="2" type="sldImg"/>
+          </p:nvPr>
+        </p:nvSpPr>
+        <p:spPr>
+          <a:xfrm>
+            <a:off x="381300" y="685800"/>
+            <a:ext cx="6096000" cy="3429000"/>
+          </a:xfrm>
+          <a:custGeom>
+            <a:pathLst>
+              <a:path extrusionOk="0" h="120000" w="120000">
+                <a:moveTo>
+                  <a:pt x="0" y="0"/>
+                </a:moveTo>
+                <a:lnTo>
+                  <a:pt x="120000" y="0"/>
+                </a:lnTo>
+                <a:lnTo>
+                  <a:pt x="120000" y="120000"/>
+                </a:lnTo>
+                <a:lnTo>
+                  <a:pt x="0" y="120000"/>
+                </a:lnTo>
+                <a:close/>
+              </a:path>
+            </a:pathLst>
+          </a:custGeom>
+        </p:spPr>
+      </p:sp>
+      <p:sp>
+        <p:nvSpPr>
+          <p:cNvPr id="124" name="Shape 124"/>
+          <p:cNvSpPr txBox="1"/>
+          <p:nvPr>
+            <p:ph idx="1" type="body"/>
+          </p:nvPr>
+        </p:nvSpPr>
+        <p:spPr>
+          <a:xfrm>
+            <a:off x="685800" y="4343400"/>
+            <a:ext cx="5486400" cy="4114800"/>
+          </a:xfrm>
+          <a:prstGeom prst="rect">
+            <a:avLst/>
+          </a:prstGeom>
+        </p:spPr>
+        <p:txBody>
+          <a:bodyPr anchorCtr="0" anchor="t" bIns="91425" lIns="91425" rIns="91425" tIns="91425">
+            <a:noAutofit/>
+          </a:bodyPr>
+          <a:lstStyle/>
+          <a:p>
+            <a:pPr lvl="0">
+              <a:spcBef>
+                <a:spcPts val="0"/>
+              </a:spcBef>
+              <a:buNone/>
+            </a:pPr>
+            <a:r>
+              <a:t/>
+            </a:r>
+            <a:endParaRPr/>
+          </a:p>
+        </p:txBody>
+      </p:sp>
+    </p:spTree>
+  </p:cSld>
+  <p:clrMapOvr>
+    <a:masterClrMapping/>
+  </p:clrMapOvr>
+</p:notes>
+</file>
+
+<file path=ppt/notesSlides/notesSlide12.xml><?xml version="1.0" encoding="utf-8"?>
+<p:notes xmlns:a="http://schemas.openxmlformats.org/drawingml/2006/main" xmlns:r="http://schemas.openxmlformats.org/officeDocument/2006/relationships" xmlns:mc="http://schemas.openxmlformats.org/markup-compatibility/2006" xmlns:mv="urn:schemas-microsoft-com:mac:vml" xmlns:p="http://schemas.openxmlformats.org/presentationml/2006/main" xmlns:c="http://schemas.openxmlformats.org/drawingml/2006/chart" xmlns:dgm="http://schemas.openxmlformats.org/drawingml/2006/diagram" xmlns:o="urn:schemas-microsoft-com:office:office" xmlns:v="urn:schemas-microsoft-com:vml" xmlns:pvml="urn:schemas-microsoft-com:office:powerpoint" xmlns:com="http://schemas.openxmlformats.org/drawingml/2006/compatibility" xmlns:p14="http://schemas.microsoft.com/office/powerpoint/2010/main" xmlns:p15="http://schemas.microsoft.com/office/powerpoint/2012/main" showMasterPhAnim="0" showMasterSp="0">
+  <p:cSld>
+    <p:spTree>
+      <p:nvGrpSpPr>
+        <p:cNvPr id="129" name="Shape 129"/>
+        <p:cNvGrpSpPr/>
+        <p:nvPr/>
+      </p:nvGrpSpPr>
+      <p:grpSpPr>
+        <a:xfrm>
+          <a:off x="0" y="0"/>
+          <a:ext cx="0" cy="0"/>
+          <a:chOff x="0" y="0"/>
+          <a:chExt cx="0" cy="0"/>
+        </a:xfrm>
+      </p:grpSpPr>
+      <p:sp>
+        <p:nvSpPr>
+          <p:cNvPr id="130" name="Shape 130"/>
+          <p:cNvSpPr/>
+          <p:nvPr>
+            <p:ph idx="2" type="sldImg"/>
+          </p:nvPr>
+        </p:nvSpPr>
+        <p:spPr>
+          <a:xfrm>
+            <a:off x="381300" y="685800"/>
+            <a:ext cx="6096000" cy="3429000"/>
+          </a:xfrm>
+          <a:custGeom>
+            <a:pathLst>
+              <a:path extrusionOk="0" h="120000" w="120000">
+                <a:moveTo>
+                  <a:pt x="0" y="0"/>
+                </a:moveTo>
+                <a:lnTo>
+                  <a:pt x="120000" y="0"/>
+                </a:lnTo>
+                <a:lnTo>
+                  <a:pt x="120000" y="120000"/>
+                </a:lnTo>
+                <a:lnTo>
+                  <a:pt x="0" y="120000"/>
+                </a:lnTo>
+                <a:close/>
+              </a:path>
+            </a:pathLst>
+          </a:custGeom>
+        </p:spPr>
+      </p:sp>
+      <p:sp>
+        <p:nvSpPr>
+          <p:cNvPr id="131" name="Shape 131"/>
+          <p:cNvSpPr txBox="1"/>
+          <p:nvPr>
+            <p:ph idx="1" type="body"/>
+          </p:nvPr>
+        </p:nvSpPr>
+        <p:spPr>
+          <a:xfrm>
+            <a:off x="685800" y="4343400"/>
+            <a:ext cx="5486400" cy="4114800"/>
+          </a:xfrm>
+          <a:prstGeom prst="rect">
+            <a:avLst/>
+          </a:prstGeom>
+        </p:spPr>
+        <p:txBody>
+          <a:bodyPr anchorCtr="0" anchor="t" bIns="91425" lIns="91425" rIns="91425" tIns="91425">
+            <a:noAutofit/>
+          </a:bodyPr>
+          <a:lstStyle/>
+          <a:p>
+            <a:pPr lvl="0">
+              <a:spcBef>
+                <a:spcPts val="0"/>
+              </a:spcBef>
+              <a:buNone/>
+            </a:pPr>
+            <a:r>
+              <a:t/>
+            </a:r>
+            <a:endParaRPr/>
+          </a:p>
+        </p:txBody>
+      </p:sp>
+    </p:spTree>
+  </p:cSld>
+  <p:clrMapOvr>
+    <a:masterClrMapping/>
+  </p:clrMapOvr>
+</p:notes>
+</file>
+
+<file path=ppt/notesSlides/notesSlide13.xml><?xml version="1.0" encoding="utf-8"?>
+<p:notes xmlns:a="http://schemas.openxmlformats.org/drawingml/2006/main" xmlns:r="http://schemas.openxmlformats.org/officeDocument/2006/relationships" xmlns:mc="http://schemas.openxmlformats.org/markup-compatibility/2006" xmlns:mv="urn:schemas-microsoft-com:mac:vml" xmlns:p="http://schemas.openxmlformats.org/presentationml/2006/main" xmlns:c="http://schemas.openxmlformats.org/drawingml/2006/chart" xmlns:dgm="http://schemas.openxmlformats.org/drawingml/2006/diagram" xmlns:o="urn:schemas-microsoft-com:office:office" xmlns:v="urn:schemas-microsoft-com:vml" xmlns:pvml="urn:schemas-microsoft-com:office:powerpoint" xmlns:com="http://schemas.openxmlformats.org/drawingml/2006/compatibility" xmlns:p14="http://schemas.microsoft.com/office/powerpoint/2010/main" xmlns:p15="http://schemas.microsoft.com/office/powerpoint/2012/main" showMasterPhAnim="0" showMasterSp="0">
+  <p:cSld>
+    <p:spTree>
+      <p:nvGrpSpPr>
+        <p:cNvPr id="137" name="Shape 137"/>
+        <p:cNvGrpSpPr/>
+        <p:nvPr/>
+      </p:nvGrpSpPr>
+      <p:grpSpPr>
+        <a:xfrm>
+          <a:off x="0" y="0"/>
+          <a:ext cx="0" cy="0"/>
+          <a:chOff x="0" y="0"/>
+          <a:chExt cx="0" cy="0"/>
+        </a:xfrm>
+      </p:grpSpPr>
+      <p:sp>
+        <p:nvSpPr>
+          <p:cNvPr id="138" name="Shape 138"/>
+          <p:cNvSpPr/>
+          <p:nvPr>
+            <p:ph idx="2" type="sldImg"/>
+          </p:nvPr>
+        </p:nvSpPr>
+        <p:spPr>
+          <a:xfrm>
+            <a:off x="381300" y="685800"/>
+            <a:ext cx="6096000" cy="3429000"/>
+          </a:xfrm>
+          <a:custGeom>
+            <a:pathLst>
+              <a:path extrusionOk="0" h="120000" w="120000">
+                <a:moveTo>
+                  <a:pt x="0" y="0"/>
+                </a:moveTo>
+                <a:lnTo>
+                  <a:pt x="120000" y="0"/>
+                </a:lnTo>
+                <a:lnTo>
+                  <a:pt x="120000" y="120000"/>
+                </a:lnTo>
+                <a:lnTo>
+                  <a:pt x="0" y="120000"/>
+                </a:lnTo>
+                <a:close/>
+              </a:path>
+            </a:pathLst>
+          </a:custGeom>
+        </p:spPr>
+      </p:sp>
+      <p:sp>
+        <p:nvSpPr>
+          <p:cNvPr id="139" name="Shape 139"/>
+          <p:cNvSpPr txBox="1"/>
+          <p:nvPr>
+            <p:ph idx="1" type="body"/>
+          </p:nvPr>
+        </p:nvSpPr>
+        <p:spPr>
+          <a:xfrm>
+            <a:off x="685800" y="4343400"/>
+            <a:ext cx="5486400" cy="4114800"/>
+          </a:xfrm>
+          <a:prstGeom prst="rect">
+            <a:avLst/>
+          </a:prstGeom>
+        </p:spPr>
+        <p:txBody>
+          <a:bodyPr anchorCtr="0" anchor="t" bIns="91425" lIns="91425" rIns="91425" tIns="91425">
+            <a:noAutofit/>
+          </a:bodyPr>
+          <a:lstStyle/>
+          <a:p>
+            <a:pPr lvl="0">
+              <a:spcBef>
+                <a:spcPts val="0"/>
+              </a:spcBef>
+              <a:buNone/>
+            </a:pPr>
+            <a:r>
+              <a:t/>
+            </a:r>
+            <a:endParaRPr/>
+          </a:p>
+        </p:txBody>
+      </p:sp>
+    </p:spTree>
+  </p:cSld>
+  <p:clrMapOvr>
+    <a:masterClrMapping/>
+  </p:clrMapOvr>
+</p:notes>
+</file>
+
+<file path=ppt/notesSlides/notesSlide2.xml><?xml version="1.0" encoding="utf-8"?>
+<p:notes xmlns:a="http://schemas.openxmlformats.org/drawingml/2006/main" xmlns:r="http://schemas.openxmlformats.org/officeDocument/2006/relationships" xmlns:mc="http://schemas.openxmlformats.org/markup-compatibility/2006" xmlns:mv="urn:schemas-microsoft-com:mac:vml" xmlns:p="http://schemas.openxmlformats.org/presentationml/2006/main" xmlns:c="http://schemas.openxmlformats.org/drawingml/2006/chart" xmlns:dgm="http://schemas.openxmlformats.org/drawingml/2006/diagram" xmlns:o="urn:schemas-microsoft-com:office:office" xmlns:v="urn:schemas-microsoft-com:vml" xmlns:pvml="urn:schemas-microsoft-com:office:powerpoint" xmlns:com="http://schemas.openxmlformats.org/drawingml/2006/compatibility" xmlns:p14="http://schemas.microsoft.com/office/powerpoint/2010/main" xmlns:p15="http://schemas.microsoft.com/office/powerpoint/2012/main" showMasterPhAnim="0" showMasterSp="0">
+  <p:cSld>
+    <p:spTree>
+      <p:nvGrpSpPr>
+        <p:cNvPr id="60" name="Shape 60"/>
+        <p:cNvGrpSpPr/>
+        <p:nvPr/>
+      </p:nvGrpSpPr>
+      <p:grpSpPr>
+        <a:xfrm>
+          <a:off x="0" y="0"/>
+          <a:ext cx="0" cy="0"/>
+          <a:chOff x="0" y="0"/>
+          <a:chExt cx="0" cy="0"/>
+        </a:xfrm>
+      </p:grpSpPr>
+      <p:sp>
+        <p:nvSpPr>
+          <p:cNvPr id="61" name="Shape 61"/>
+          <p:cNvSpPr/>
+          <p:nvPr>
+            <p:ph idx="2" type="sldImg"/>
+          </p:nvPr>
+        </p:nvSpPr>
+        <p:spPr>
+          <a:xfrm>
+            <a:off x="381300" y="685800"/>
+            <a:ext cx="6096000" cy="3429000"/>
+          </a:xfrm>
+          <a:custGeom>
+            <a:pathLst>
+              <a:path extrusionOk="0" h="120000" w="120000">
+                <a:moveTo>
+                  <a:pt x="0" y="0"/>
+                </a:moveTo>
+                <a:lnTo>
+                  <a:pt x="120000" y="0"/>
+                </a:lnTo>
+                <a:lnTo>
+                  <a:pt x="120000" y="120000"/>
+                </a:lnTo>
+                <a:lnTo>
+                  <a:pt x="0" y="120000"/>
+                </a:lnTo>
+                <a:close/>
+              </a:path>
+            </a:pathLst>
+          </a:custGeom>
+        </p:spPr>
+      </p:sp>
+      <p:sp>
+        <p:nvSpPr>
+          <p:cNvPr id="62" name="Shape 62"/>
+          <p:cNvSpPr txBox="1"/>
+          <p:nvPr>
+            <p:ph idx="1" type="body"/>
+          </p:nvPr>
+        </p:nvSpPr>
+        <p:spPr>
+          <a:xfrm>
+            <a:off x="685800" y="4343400"/>
+            <a:ext cx="5486400" cy="4114800"/>
+          </a:xfrm>
+          <a:prstGeom prst="rect">
+            <a:avLst/>
+          </a:prstGeom>
+        </p:spPr>
+        <p:txBody>
+          <a:bodyPr anchorCtr="0" anchor="t" bIns="91425" lIns="91425" rIns="91425" tIns="91425">
+            <a:noAutofit/>
+          </a:bodyPr>
+          <a:lstStyle/>
+          <a:p>
+            <a:pPr lvl="0">
+              <a:spcBef>
+                <a:spcPts val="0"/>
+              </a:spcBef>
+              <a:buNone/>
+            </a:pPr>
+            <a:r>
+              <a:t/>
+            </a:r>
+            <a:endParaRPr/>
+          </a:p>
+        </p:txBody>
+      </p:sp>
+    </p:spTree>
+  </p:cSld>
+  <p:clrMapOvr>
+    <a:masterClrMapping/>
+  </p:clrMapOvr>
+</p:notes>
+</file>
+
+<file path=ppt/notesSlides/notesSlide3.xml><?xml version="1.0" encoding="utf-8"?>
+<p:notes xmlns:a="http://schemas.openxmlformats.org/drawingml/2006/main" xmlns:r="http://schemas.openxmlformats.org/officeDocument/2006/relationships" xmlns:mc="http://schemas.openxmlformats.org/markup-compatibility/2006" xmlns:mv="urn:schemas-microsoft-com:mac:vml" xmlns:p="http://schemas.openxmlformats.org/presentationml/2006/main" xmlns:c="http://schemas.openxmlformats.org/drawingml/2006/chart" xmlns:dgm="http://schemas.openxmlformats.org/drawingml/2006/diagram" xmlns:o="urn:schemas-microsoft-com:office:office" xmlns:v="urn:schemas-microsoft-com:vml" xmlns:pvml="urn:schemas-microsoft-com:office:powerpoint" xmlns:com="http://schemas.openxmlformats.org/drawingml/2006/compatibility" xmlns:p14="http://schemas.microsoft.com/office/powerpoint/2010/main" xmlns:p15="http://schemas.microsoft.com/office/powerpoint/2012/main" showMasterPhAnim="0" showMasterSp="0">
+  <p:cSld>
+    <p:spTree>
+      <p:nvGrpSpPr>
+        <p:cNvPr id="67" name="Shape 67"/>
+        <p:cNvGrpSpPr/>
+        <p:nvPr/>
+      </p:nvGrpSpPr>
+      <p:grpSpPr>
+        <a:xfrm>
+          <a:off x="0" y="0"/>
+          <a:ext cx="0" cy="0"/>
+          <a:chOff x="0" y="0"/>
+          <a:chExt cx="0" cy="0"/>
+        </a:xfrm>
+      </p:grpSpPr>
+      <p:sp>
+        <p:nvSpPr>
+          <p:cNvPr id="68" name="Shape 68"/>
+          <p:cNvSpPr/>
+          <p:nvPr>
+            <p:ph idx="2" type="sldImg"/>
+          </p:nvPr>
+        </p:nvSpPr>
+        <p:spPr>
+          <a:xfrm>
+            <a:off x="381300" y="685800"/>
+            <a:ext cx="6096000" cy="3429000"/>
+          </a:xfrm>
+          <a:custGeom>
+            <a:pathLst>
+              <a:path extrusionOk="0" h="120000" w="120000">
+                <a:moveTo>
+                  <a:pt x="0" y="0"/>
+                </a:moveTo>
+                <a:lnTo>
+                  <a:pt x="120000" y="0"/>
+                </a:lnTo>
+                <a:lnTo>
+                  <a:pt x="120000" y="120000"/>
+                </a:lnTo>
+                <a:lnTo>
+                  <a:pt x="0" y="120000"/>
+                </a:lnTo>
+                <a:close/>
+              </a:path>
+            </a:pathLst>
+          </a:custGeom>
+        </p:spPr>
+      </p:sp>
+      <p:sp>
+        <p:nvSpPr>
+          <p:cNvPr id="69" name="Shape 69"/>
+          <p:cNvSpPr txBox="1"/>
+          <p:nvPr>
+            <p:ph idx="1" type="body"/>
+          </p:nvPr>
+        </p:nvSpPr>
+        <p:spPr>
+          <a:xfrm>
+            <a:off x="685800" y="4343400"/>
+            <a:ext cx="5486400" cy="4114800"/>
+          </a:xfrm>
+          <a:prstGeom prst="rect">
+            <a:avLst/>
+          </a:prstGeom>
+        </p:spPr>
+        <p:txBody>
+          <a:bodyPr anchorCtr="0" anchor="t" bIns="91425" lIns="91425" rIns="91425" tIns="91425">
+            <a:noAutofit/>
+          </a:bodyPr>
+          <a:lstStyle/>
+          <a:p>
+            <a:pPr lvl="0">
+              <a:spcBef>
+                <a:spcPts val="0"/>
+              </a:spcBef>
+              <a:buNone/>
+            </a:pPr>
+            <a:r>
+              <a:t/>
+            </a:r>
+            <a:endParaRPr/>
+          </a:p>
+        </p:txBody>
+      </p:sp>
+    </p:spTree>
+  </p:cSld>
+  <p:clrMapOvr>
+    <a:masterClrMapping/>
+  </p:clrMapOvr>
+</p:notes>
+</file>
+
+<file path=ppt/notesSlides/notesSlide4.xml><?xml version="1.0" encoding="utf-8"?>
+<p:notes xmlns:a="http://schemas.openxmlformats.org/drawingml/2006/main" xmlns:r="http://schemas.openxmlformats.org/officeDocument/2006/relationships" xmlns:mc="http://schemas.openxmlformats.org/markup-compatibility/2006" xmlns:mv="urn:schemas-microsoft-com:mac:vml" xmlns:p="http://schemas.openxmlformats.org/presentationml/2006/main" xmlns:c="http://schemas.openxmlformats.org/drawingml/2006/chart" xmlns:dgm="http://schemas.openxmlformats.org/drawingml/2006/diagram" xmlns:o="urn:schemas-microsoft-com:office:office" xmlns:v="urn:schemas-microsoft-com:vml" xmlns:pvml="urn:schemas-microsoft-com:office:powerpoint" xmlns:com="http://schemas.openxmlformats.org/drawingml/2006/compatibility" xmlns:p14="http://schemas.microsoft.com/office/powerpoint/2010/main" xmlns:p15="http://schemas.microsoft.com/office/powerpoint/2012/main" showMasterPhAnim="0" showMasterSp="0">
+  <p:cSld>
+    <p:spTree>
+      <p:nvGrpSpPr>
+        <p:cNvPr id="75" name="Shape 75"/>
+        <p:cNvGrpSpPr/>
+        <p:nvPr/>
+      </p:nvGrpSpPr>
+      <p:grpSpPr>
+        <a:xfrm>
+          <a:off x="0" y="0"/>
+          <a:ext cx="0" cy="0"/>
+          <a:chOff x="0" y="0"/>
+          <a:chExt cx="0" cy="0"/>
+        </a:xfrm>
+      </p:grpSpPr>
+      <p:sp>
+        <p:nvSpPr>
+          <p:cNvPr id="76" name="Shape 76"/>
+          <p:cNvSpPr/>
+          <p:nvPr>
+            <p:ph idx="2" type="sldImg"/>
+          </p:nvPr>
+        </p:nvSpPr>
+        <p:spPr>
+          <a:xfrm>
+            <a:off x="381300" y="685800"/>
+            <a:ext cx="6096000" cy="3429000"/>
+          </a:xfrm>
+          <a:custGeom>
+            <a:pathLst>
+              <a:path extrusionOk="0" h="120000" w="120000">
+                <a:moveTo>
+                  <a:pt x="0" y="0"/>
+                </a:moveTo>
+                <a:lnTo>
+                  <a:pt x="120000" y="0"/>
+                </a:lnTo>
+                <a:lnTo>
+                  <a:pt x="120000" y="120000"/>
+                </a:lnTo>
+                <a:lnTo>
+                  <a:pt x="0" y="120000"/>
+                </a:lnTo>
+                <a:close/>
+              </a:path>
+            </a:pathLst>
+          </a:custGeom>
+        </p:spPr>
+      </p:sp>
+      <p:sp>
+        <p:nvSpPr>
+          <p:cNvPr id="77" name="Shape 77"/>
+          <p:cNvSpPr txBox="1"/>
+          <p:nvPr>
+            <p:ph idx="1" type="body"/>
+          </p:nvPr>
+        </p:nvSpPr>
+        <p:spPr>
+          <a:xfrm>
+            <a:off x="685800" y="4343400"/>
+            <a:ext cx="5486400" cy="4114800"/>
+          </a:xfrm>
+          <a:prstGeom prst="rect">
+            <a:avLst/>
+          </a:prstGeom>
+        </p:spPr>
+        <p:txBody>
+          <a:bodyPr anchorCtr="0" anchor="t" bIns="91425" lIns="91425" rIns="91425" tIns="91425">
+            <a:noAutofit/>
+          </a:bodyPr>
+          <a:lstStyle/>
+          <a:p>
+            <a:pPr lvl="0">
+              <a:spcBef>
+                <a:spcPts val="0"/>
+              </a:spcBef>
+              <a:buNone/>
+            </a:pPr>
+            <a:r>
+              <a:t/>
+            </a:r>
+            <a:endParaRPr/>
+          </a:p>
+        </p:txBody>
+      </p:sp>
+    </p:spTree>
+  </p:cSld>
+  <p:clrMapOvr>
+    <a:masterClrMapping/>
+  </p:clrMapOvr>
+</p:notes>
+</file>
+
+<file path=ppt/notesSlides/notesSlide5.xml><?xml version="1.0" encoding="utf-8"?>
+<p:notes xmlns:a="http://schemas.openxmlformats.org/drawingml/2006/main" xmlns:r="http://schemas.openxmlformats.org/officeDocument/2006/relationships" xmlns:mc="http://schemas.openxmlformats.org/markup-compatibility/2006" xmlns:mv="urn:schemas-microsoft-com:mac:vml" xmlns:p="http://schemas.openxmlformats.org/presentationml/2006/main" xmlns:c="http://schemas.openxmlformats.org/drawingml/2006/chart" xmlns:dgm="http://schemas.openxmlformats.org/drawingml/2006/diagram" xmlns:o="urn:schemas-microsoft-com:office:office" xmlns:v="urn:schemas-microsoft-com:vml" xmlns:pvml="urn:schemas-microsoft-com:office:powerpoint" xmlns:com="http://schemas.openxmlformats.org/drawingml/2006/compatibility" xmlns:p14="http://schemas.microsoft.com/office/powerpoint/2010/main" xmlns:p15="http://schemas.microsoft.com/office/powerpoint/2012/main" showMasterPhAnim="0" showMasterSp="0">
+  <p:cSld>
+    <p:spTree>
+      <p:nvGrpSpPr>
+        <p:cNvPr id="83" name="Shape 83"/>
+        <p:cNvGrpSpPr/>
+        <p:nvPr/>
+      </p:nvGrpSpPr>
+      <p:grpSpPr>
+        <a:xfrm>
+          <a:off x="0" y="0"/>
+          <a:ext cx="0" cy="0"/>
+          <a:chOff x="0" y="0"/>
+          <a:chExt cx="0" cy="0"/>
+        </a:xfrm>
+      </p:grpSpPr>
+      <p:sp>
+        <p:nvSpPr>
+          <p:cNvPr id="84" name="Shape 84"/>
+          <p:cNvSpPr/>
+          <p:nvPr>
+            <p:ph idx="2" type="sldImg"/>
+          </p:nvPr>
+        </p:nvSpPr>
+        <p:spPr>
+          <a:xfrm>
+            <a:off x="381300" y="685800"/>
+            <a:ext cx="6096000" cy="3429000"/>
+          </a:xfrm>
+          <a:custGeom>
+            <a:pathLst>
+              <a:path extrusionOk="0" h="120000" w="120000">
+                <a:moveTo>
+                  <a:pt x="0" y="0"/>
+                </a:moveTo>
+                <a:lnTo>
+                  <a:pt x="120000" y="0"/>
+                </a:lnTo>
+                <a:lnTo>
+                  <a:pt x="120000" y="120000"/>
+                </a:lnTo>
+                <a:lnTo>
+                  <a:pt x="0" y="120000"/>
+                </a:lnTo>
+                <a:close/>
+              </a:path>
+            </a:pathLst>
+          </a:custGeom>
+        </p:spPr>
+      </p:sp>
+      <p:sp>
+        <p:nvSpPr>
+          <p:cNvPr id="85" name="Shape 85"/>
+          <p:cNvSpPr txBox="1"/>
+          <p:nvPr>
+            <p:ph idx="1" type="body"/>
+          </p:nvPr>
+        </p:nvSpPr>
+        <p:spPr>
+          <a:xfrm>
+            <a:off x="685800" y="4343400"/>
+            <a:ext cx="5486400" cy="4114800"/>
+          </a:xfrm>
+          <a:prstGeom prst="rect">
+            <a:avLst/>
+          </a:prstGeom>
+        </p:spPr>
+        <p:txBody>
+          <a:bodyPr anchorCtr="0" anchor="t" bIns="91425" lIns="91425" rIns="91425" tIns="91425">
+            <a:noAutofit/>
+          </a:bodyPr>
+          <a:lstStyle/>
+          <a:p>
+            <a:pPr lvl="0">
+              <a:spcBef>
+                <a:spcPts val="0"/>
+              </a:spcBef>
+              <a:buNone/>
+            </a:pPr>
+            <a:r>
+              <a:t/>
+            </a:r>
+            <a:endParaRPr/>
+          </a:p>
+        </p:txBody>
+      </p:sp>
+    </p:spTree>
+  </p:cSld>
+  <p:clrMapOvr>
+    <a:masterClrMapping/>
+  </p:clrMapOvr>
+</p:notes>
+</file>
+
+<file path=ppt/notesSlides/notesSlide6.xml><?xml version="1.0" encoding="utf-8"?>
+<p:notes xmlns:a="http://schemas.openxmlformats.org/drawingml/2006/main" xmlns:r="http://schemas.openxmlformats.org/officeDocument/2006/relationships" xmlns:mc="http://schemas.openxmlformats.org/markup-compatibility/2006" xmlns:mv="urn:schemas-microsoft-com:mac:vml" xmlns:p="http://schemas.openxmlformats.org/presentationml/2006/main" xmlns:c="http://schemas.openxmlformats.org/drawingml/2006/chart" xmlns:dgm="http://schemas.openxmlformats.org/drawingml/2006/diagram" xmlns:o="urn:schemas-microsoft-com:office:office" xmlns:v="urn:schemas-microsoft-com:vml" xmlns:pvml="urn:schemas-microsoft-com:office:powerpoint" xmlns:com="http://schemas.openxmlformats.org/drawingml/2006/compatibility" xmlns:p14="http://schemas.microsoft.com/office/powerpoint/2010/main" xmlns:p15="http://schemas.microsoft.com/office/powerpoint/2012/main" showMasterPhAnim="0" showMasterSp="0">
+  <p:cSld>
+    <p:spTree>
+      <p:nvGrpSpPr>
+        <p:cNvPr id="94" name="Shape 94"/>
+        <p:cNvGrpSpPr/>
+        <p:nvPr/>
+      </p:nvGrpSpPr>
+      <p:grpSpPr>
+        <a:xfrm>
+          <a:off x="0" y="0"/>
+          <a:ext cx="0" cy="0"/>
+          <a:chOff x="0" y="0"/>
+          <a:chExt cx="0" cy="0"/>
+        </a:xfrm>
+      </p:grpSpPr>
+      <p:sp>
+        <p:nvSpPr>
+          <p:cNvPr id="95" name="Shape 95"/>
+          <p:cNvSpPr/>
+          <p:nvPr>
+            <p:ph idx="2" type="sldImg"/>
+          </p:nvPr>
+        </p:nvSpPr>
+        <p:spPr>
+          <a:xfrm>
+            <a:off x="381300" y="685800"/>
+            <a:ext cx="6096000" cy="3429000"/>
+          </a:xfrm>
+          <a:custGeom>
+            <a:pathLst>
+              <a:path extrusionOk="0" h="120000" w="120000">
+                <a:moveTo>
+                  <a:pt x="0" y="0"/>
+                </a:moveTo>
+                <a:lnTo>
+                  <a:pt x="120000" y="0"/>
+                </a:lnTo>
+                <a:lnTo>
+                  <a:pt x="120000" y="120000"/>
+                </a:lnTo>
+                <a:lnTo>
+                  <a:pt x="0" y="120000"/>
+                </a:lnTo>
+                <a:close/>
+              </a:path>
+            </a:pathLst>
+          </a:custGeom>
+        </p:spPr>
+      </p:sp>
+      <p:sp>
+        <p:nvSpPr>
+          <p:cNvPr id="96" name="Shape 96"/>
+          <p:cNvSpPr txBox="1"/>
+          <p:nvPr>
+            <p:ph idx="1" type="body"/>
+          </p:nvPr>
+        </p:nvSpPr>
+        <p:spPr>
+          <a:xfrm>
+            <a:off x="685800" y="4343400"/>
+            <a:ext cx="5486400" cy="4114800"/>
+          </a:xfrm>
+          <a:prstGeom prst="rect">
+            <a:avLst/>
+          </a:prstGeom>
+        </p:spPr>
+        <p:txBody>
+          <a:bodyPr anchorCtr="0" anchor="t" bIns="91425" lIns="91425" rIns="91425" tIns="91425">
+            <a:noAutofit/>
+          </a:bodyPr>
+          <a:lstStyle/>
+          <a:p>
+            <a:pPr lvl="0">
+              <a:spcBef>
+                <a:spcPts val="0"/>
+              </a:spcBef>
+              <a:buNone/>
+            </a:pPr>
+            <a:r>
+              <a:t/>
+            </a:r>
+            <a:endParaRPr/>
+          </a:p>
+        </p:txBody>
+      </p:sp>
+    </p:spTree>
+  </p:cSld>
+  <p:clrMapOvr>
+    <a:masterClrMapping/>
+  </p:clrMapOvr>
+</p:notes>
+</file>
+
+<file path=ppt/notesSlides/notesSlide7.xml><?xml version="1.0" encoding="utf-8"?>
+<p:notes xmlns:a="http://schemas.openxmlformats.org/drawingml/2006/main" xmlns:r="http://schemas.openxmlformats.org/officeDocument/2006/relationships" xmlns:mc="http://schemas.openxmlformats.org/markup-compatibility/2006" xmlns:mv="urn:schemas-microsoft-com:mac:vml" xmlns:p="http://schemas.openxmlformats.org/presentationml/2006/main" xmlns:c="http://schemas.openxmlformats.org/drawingml/2006/chart" xmlns:dgm="http://schemas.openxmlformats.org/drawingml/2006/diagram" xmlns:o="urn:schemas-microsoft-com:office:office" xmlns:v="urn:schemas-microsoft-com:vml" xmlns:pvml="urn:schemas-microsoft-com:office:powerpoint" xmlns:com="http://schemas.openxmlformats.org/drawingml/2006/compatibility" xmlns:p14="http://schemas.microsoft.com/office/powerpoint/2010/main" xmlns:p15="http://schemas.microsoft.com/office/powerpoint/2012/main" showMasterPhAnim="0" showMasterSp="0">
+  <p:cSld>
+    <p:spTree>
+      <p:nvGrpSpPr>
+        <p:cNvPr id="99" name="Shape 99"/>
+        <p:cNvGrpSpPr/>
+        <p:nvPr/>
+      </p:nvGrpSpPr>
+      <p:grpSpPr>
+        <a:xfrm>
+          <a:off x="0" y="0"/>
+          <a:ext cx="0" cy="0"/>
+          <a:chOff x="0" y="0"/>
+          <a:chExt cx="0" cy="0"/>
+        </a:xfrm>
+      </p:grpSpPr>
+      <p:sp>
+        <p:nvSpPr>
+          <p:cNvPr id="100" name="Shape 100"/>
+          <p:cNvSpPr/>
+          <p:nvPr>
+            <p:ph idx="2" type="sldImg"/>
+          </p:nvPr>
+        </p:nvSpPr>
+        <p:spPr>
+          <a:xfrm>
+            <a:off x="381300" y="685800"/>
+            <a:ext cx="6096000" cy="3429000"/>
+          </a:xfrm>
+          <a:custGeom>
+            <a:pathLst>
+              <a:path extrusionOk="0" h="120000" w="120000">
+                <a:moveTo>
+                  <a:pt x="0" y="0"/>
+                </a:moveTo>
+                <a:lnTo>
+                  <a:pt x="120000" y="0"/>
+                </a:lnTo>
+                <a:lnTo>
+                  <a:pt x="120000" y="120000"/>
+                </a:lnTo>
+                <a:lnTo>
+                  <a:pt x="0" y="120000"/>
+                </a:lnTo>
+                <a:close/>
+              </a:path>
+            </a:pathLst>
+          </a:custGeom>
+        </p:spPr>
+      </p:sp>
+      <p:sp>
+        <p:nvSpPr>
+          <p:cNvPr id="101" name="Shape 101"/>
+          <p:cNvSpPr txBox="1"/>
+          <p:nvPr>
+            <p:ph idx="1" type="body"/>
+          </p:nvPr>
+        </p:nvSpPr>
+        <p:spPr>
+          <a:xfrm>
+            <a:off x="685800" y="4343400"/>
+            <a:ext cx="5486400" cy="4114800"/>
+          </a:xfrm>
+          <a:prstGeom prst="rect">
+            <a:avLst/>
+          </a:prstGeom>
+        </p:spPr>
+        <p:txBody>
+          <a:bodyPr anchorCtr="0" anchor="t" bIns="91425" lIns="91425" rIns="91425" tIns="91425">
+            <a:noAutofit/>
+          </a:bodyPr>
+          <a:lstStyle/>
+          <a:p>
+            <a:pPr lvl="0">
+              <a:spcBef>
+                <a:spcPts val="0"/>
+              </a:spcBef>
+              <a:buNone/>
+            </a:pPr>
+            <a:r>
+              <a:t/>
+            </a:r>
+            <a:endParaRPr/>
+          </a:p>
+        </p:txBody>
+      </p:sp>
+    </p:spTree>
+  </p:cSld>
+  <p:clrMapOvr>
+    <a:masterClrMapping/>
+  </p:clrMapOvr>
+</p:notes>
+</file>
+
+<file path=ppt/notesSlides/notesSlide8.xml><?xml version="1.0" encoding="utf-8"?>
+<p:notes xmlns:a="http://schemas.openxmlformats.org/drawingml/2006/main" xmlns:r="http://schemas.openxmlformats.org/officeDocument/2006/relationships" xmlns:mc="http://schemas.openxmlformats.org/markup-compatibility/2006" xmlns:mv="urn:schemas-microsoft-com:mac:vml" xmlns:p="http://schemas.openxmlformats.org/presentationml/2006/main" xmlns:c="http://schemas.openxmlformats.org/drawingml/2006/chart" xmlns:dgm="http://schemas.openxmlformats.org/drawingml/2006/diagram" xmlns:o="urn:schemas-microsoft-com:office:office" xmlns:v="urn:schemas-microsoft-com:vml" xmlns:pvml="urn:schemas-microsoft-com:office:powerpoint" xmlns:com="http://schemas.openxmlformats.org/drawingml/2006/compatibility" xmlns:p14="http://schemas.microsoft.com/office/powerpoint/2010/main" xmlns:p15="http://schemas.microsoft.com/office/powerpoint/2012/main" showMasterPhAnim="0" showMasterSp="0">
+  <p:cSld>
+    <p:spTree>
+      <p:nvGrpSpPr>
+        <p:cNvPr id="104" name="Shape 104"/>
+        <p:cNvGrpSpPr/>
+        <p:nvPr/>
+      </p:nvGrpSpPr>
+      <p:grpSpPr>
+        <a:xfrm>
+          <a:off x="0" y="0"/>
+          <a:ext cx="0" cy="0"/>
+          <a:chOff x="0" y="0"/>
+          <a:chExt cx="0" cy="0"/>
+        </a:xfrm>
+      </p:grpSpPr>
+      <p:sp>
+        <p:nvSpPr>
+          <p:cNvPr id="105" name="Shape 105"/>
+          <p:cNvSpPr/>
+          <p:nvPr>
+            <p:ph idx="2" type="sldImg"/>
+          </p:nvPr>
+        </p:nvSpPr>
+        <p:spPr>
+          <a:xfrm>
+            <a:off x="381300" y="685800"/>
+            <a:ext cx="6096000" cy="3429000"/>
+          </a:xfrm>
+          <a:custGeom>
+            <a:pathLst>
+              <a:path extrusionOk="0" h="120000" w="120000">
+                <a:moveTo>
+                  <a:pt x="0" y="0"/>
+                </a:moveTo>
+                <a:lnTo>
+                  <a:pt x="120000" y="0"/>
+                </a:lnTo>
+                <a:lnTo>
+                  <a:pt x="120000" y="120000"/>
+                </a:lnTo>
+                <a:lnTo>
+                  <a:pt x="0" y="120000"/>
+                </a:lnTo>
+                <a:close/>
+              </a:path>
+            </a:pathLst>
+          </a:custGeom>
+        </p:spPr>
+      </p:sp>
+      <p:sp>
+        <p:nvSpPr>
+          <p:cNvPr id="106" name="Shape 106"/>
+          <p:cNvSpPr txBox="1"/>
+          <p:nvPr>
+            <p:ph idx="1" type="body"/>
+          </p:nvPr>
+        </p:nvSpPr>
+        <p:spPr>
+          <a:xfrm>
+            <a:off x="685800" y="4343400"/>
+            <a:ext cx="5486400" cy="4114800"/>
+          </a:xfrm>
+          <a:prstGeom prst="rect">
+            <a:avLst/>
+          </a:prstGeom>
+        </p:spPr>
+        <p:txBody>
+          <a:bodyPr anchorCtr="0" anchor="t" bIns="91425" lIns="91425" rIns="91425" tIns="91425">
+            <a:noAutofit/>
+          </a:bodyPr>
+          <a:lstStyle/>
+          <a:p>
+            <a:pPr lvl="0">
+              <a:spcBef>
+                <a:spcPts val="0"/>
+              </a:spcBef>
+              <a:buNone/>
+            </a:pPr>
+            <a:r>
+              <a:t/>
+            </a:r>
+            <a:endParaRPr/>
+          </a:p>
+        </p:txBody>
+      </p:sp>
+    </p:spTree>
+  </p:cSld>
+  <p:clrMapOvr>
+    <a:masterClrMapping/>
+  </p:clrMapOvr>
+</p:notes>
+</file>
+
+<file path=ppt/notesSlides/notesSlide9.xml><?xml version="1.0" encoding="utf-8"?>
+<p:notes xmlns:a="http://schemas.openxmlformats.org/drawingml/2006/main" xmlns:r="http://schemas.openxmlformats.org/officeDocument/2006/relationships" xmlns:mc="http://schemas.openxmlformats.org/markup-compatibility/2006" xmlns:mv="urn:schemas-microsoft-com:mac:vml" xmlns:p="http://schemas.openxmlformats.org/presentationml/2006/main" xmlns:c="http://schemas.openxmlformats.org/drawingml/2006/chart" xmlns:dgm="http://schemas.openxmlformats.org/drawingml/2006/diagram" xmlns:o="urn:schemas-microsoft-com:office:office" xmlns:v="urn:schemas-microsoft-com:vml" xmlns:pvml="urn:schemas-microsoft-com:office:powerpoint" xmlns:com="http://schemas.openxmlformats.org/drawingml/2006/compatibility" xmlns:p14="http://schemas.microsoft.com/office/powerpoint/2010/main" xmlns:p15="http://schemas.microsoft.com/office/powerpoint/2012/main" showMasterPhAnim="0" showMasterSp="0">
+  <p:cSld>
+    <p:spTree>
+      <p:nvGrpSpPr>
+        <p:cNvPr id="109" name="Shape 109"/>
+        <p:cNvGrpSpPr/>
+        <p:nvPr/>
+      </p:nvGrpSpPr>
+      <p:grpSpPr>
+        <a:xfrm>
+          <a:off x="0" y="0"/>
+          <a:ext cx="0" cy="0"/>
+          <a:chOff x="0" y="0"/>
+          <a:chExt cx="0" cy="0"/>
+        </a:xfrm>
+      </p:grpSpPr>
+      <p:sp>
+        <p:nvSpPr>
+          <p:cNvPr id="110" name="Shape 110"/>
+          <p:cNvSpPr/>
+          <p:nvPr>
+            <p:ph idx="2" type="sldImg"/>
+          </p:nvPr>
+        </p:nvSpPr>
+        <p:spPr>
+          <a:xfrm>
+            <a:off x="381300" y="685800"/>
+            <a:ext cx="6096000" cy="3429000"/>
+          </a:xfrm>
+          <a:custGeom>
+            <a:pathLst>
+              <a:path extrusionOk="0" h="120000" w="120000">
+                <a:moveTo>
+                  <a:pt x="0" y="0"/>
+                </a:moveTo>
+                <a:lnTo>
+                  <a:pt x="120000" y="0"/>
+                </a:lnTo>
+                <a:lnTo>
+                  <a:pt x="120000" y="120000"/>
+                </a:lnTo>
+                <a:lnTo>
+                  <a:pt x="0" y="120000"/>
+                </a:lnTo>
+                <a:close/>
+              </a:path>
+            </a:pathLst>
+          </a:custGeom>
+        </p:spPr>
+      </p:sp>
+      <p:sp>
+        <p:nvSpPr>
+          <p:cNvPr id="111" name="Shape 111"/>
+          <p:cNvSpPr txBox="1"/>
+          <p:nvPr>
+            <p:ph idx="1" type="body"/>
+          </p:nvPr>
+        </p:nvSpPr>
+        <p:spPr>
+          <a:xfrm>
+            <a:off x="685800" y="4343400"/>
+            <a:ext cx="5486400" cy="4114800"/>
+          </a:xfrm>
+          <a:prstGeom prst="rect">
+            <a:avLst/>
+          </a:prstGeom>
+        </p:spPr>
+        <p:txBody>
+          <a:bodyPr anchorCtr="0" anchor="t" bIns="91425" lIns="91425" rIns="91425" tIns="91425">
+            <a:noAutofit/>
+          </a:bodyPr>
+          <a:lstStyle/>
+          <a:p>
+            <a:pPr lvl="0" rtl="0">
               <a:spcBef>
                 <a:spcPts val="0"/>
               </a:spcBef>
@@ -4521,6 +5577,631 @@
 </p:sld>
 </file>
 
+<file path=ppt/slides/slide10.xml><?xml version="1.0" encoding="utf-8"?>
+<p:sld xmlns:a="http://schemas.openxmlformats.org/drawingml/2006/main" xmlns:r="http://schemas.openxmlformats.org/officeDocument/2006/relationships" xmlns:mc="http://schemas.openxmlformats.org/markup-compatibility/2006" xmlns:mv="urn:schemas-microsoft-com:mac:vml" xmlns:p="http://schemas.openxmlformats.org/presentationml/2006/main" xmlns:c="http://schemas.openxmlformats.org/drawingml/2006/chart" xmlns:dgm="http://schemas.openxmlformats.org/drawingml/2006/diagram" xmlns:o="urn:schemas-microsoft-com:office:office" xmlns:v="urn:schemas-microsoft-com:vml" xmlns:pvml="urn:schemas-microsoft-com:office:powerpoint" xmlns:com="http://schemas.openxmlformats.org/drawingml/2006/compatibility" xmlns:p14="http://schemas.microsoft.com/office/powerpoint/2010/main" xmlns:p15="http://schemas.microsoft.com/office/powerpoint/2012/main">
+  <p:cSld>
+    <p:spTree>
+      <p:nvGrpSpPr>
+        <p:cNvPr id="117" name="Shape 117"/>
+        <p:cNvGrpSpPr/>
+        <p:nvPr/>
+      </p:nvGrpSpPr>
+      <p:grpSpPr>
+        <a:xfrm>
+          <a:off x="0" y="0"/>
+          <a:ext cx="0" cy="0"/>
+          <a:chOff x="0" y="0"/>
+          <a:chExt cx="0" cy="0"/>
+        </a:xfrm>
+      </p:grpSpPr>
+      <p:sp>
+        <p:nvSpPr>
+          <p:cNvPr id="118" name="Shape 118"/>
+          <p:cNvSpPr txBox="1"/>
+          <p:nvPr>
+            <p:ph type="title"/>
+          </p:nvPr>
+        </p:nvSpPr>
+        <p:spPr>
+          <a:xfrm>
+            <a:off x="171300" y="1439650"/>
+            <a:ext cx="4045200" cy="3391200"/>
+          </a:xfrm>
+          <a:prstGeom prst="rect">
+            <a:avLst/>
+          </a:prstGeom>
+        </p:spPr>
+        <p:txBody>
+          <a:bodyPr anchorCtr="0" anchor="b" bIns="91425" lIns="91425" rIns="91425" tIns="91425">
+            <a:noAutofit/>
+          </a:bodyPr>
+          <a:lstStyle/>
+          <a:p>
+            <a:pPr lvl="0">
+              <a:spcBef>
+                <a:spcPts val="0"/>
+              </a:spcBef>
+              <a:buNone/>
+            </a:pPr>
+            <a:r>
+              <a:rPr lang="en-GB"/>
+              <a:t>Right-click to the ‘HelloWorld.py’ file and click on Permissions. Then apply execute permission to all.</a:t>
+            </a:r>
+          </a:p>
+        </p:txBody>
+      </p:sp>
+      <p:sp>
+        <p:nvSpPr>
+          <p:cNvPr id="119" name="Shape 119"/>
+          <p:cNvSpPr txBox="1"/>
+          <p:nvPr>
+            <p:ph idx="1" type="subTitle"/>
+          </p:nvPr>
+        </p:nvSpPr>
+        <p:spPr>
+          <a:xfrm>
+            <a:off x="95925" y="3073800"/>
+            <a:ext cx="4045200" cy="1345500"/>
+          </a:xfrm>
+          <a:prstGeom prst="rect">
+            <a:avLst/>
+          </a:prstGeom>
+        </p:spPr>
+        <p:txBody>
+          <a:bodyPr anchorCtr="0" anchor="t" bIns="91425" lIns="91425" rIns="91425" tIns="91425">
+            <a:noAutofit/>
+          </a:bodyPr>
+          <a:lstStyle/>
+          <a:p>
+            <a:pPr lvl="0" algn="l">
+              <a:spcBef>
+                <a:spcPts val="0"/>
+              </a:spcBef>
+              <a:buNone/>
+            </a:pPr>
+            <a:r>
+              <a:t/>
+            </a:r>
+            <a:endParaRPr/>
+          </a:p>
+        </p:txBody>
+      </p:sp>
+      <p:sp>
+        <p:nvSpPr>
+          <p:cNvPr id="120" name="Shape 120"/>
+          <p:cNvSpPr txBox="1"/>
+          <p:nvPr>
+            <p:ph idx="2" type="body"/>
+          </p:nvPr>
+        </p:nvSpPr>
+        <p:spPr>
+          <a:xfrm>
+            <a:off x="4939500" y="724200"/>
+            <a:ext cx="3837000" cy="3695100"/>
+          </a:xfrm>
+          <a:prstGeom prst="rect">
+            <a:avLst/>
+          </a:prstGeom>
+        </p:spPr>
+        <p:txBody>
+          <a:bodyPr anchorCtr="0" anchor="ctr" bIns="91425" lIns="91425" rIns="91425" tIns="91425">
+            <a:noAutofit/>
+          </a:bodyPr>
+          <a:lstStyle/>
+          <a:p>
+            <a:pPr lvl="0">
+              <a:spcBef>
+                <a:spcPts val="0"/>
+              </a:spcBef>
+              <a:buNone/>
+            </a:pPr>
+            <a:r>
+              <a:t/>
+            </a:r>
+            <a:endParaRPr/>
+          </a:p>
+        </p:txBody>
+      </p:sp>
+      <p:pic>
+        <p:nvPicPr>
+          <p:cNvPr id="121" name="Shape 121"/>
+          <p:cNvPicPr preferRelativeResize="0"/>
+          <p:nvPr/>
+        </p:nvPicPr>
+        <p:blipFill rotWithShape="1">
+          <a:blip r:embed="rId3">
+            <a:alphaModFix/>
+          </a:blip>
+          <a:srcRect b="35601" l="29408" r="44629" t="28162"/>
+          <a:stretch/>
+        </p:blipFill>
+        <p:spPr>
+          <a:xfrm>
+            <a:off x="4141124" y="485200"/>
+            <a:ext cx="4706452" cy="3695101"/>
+          </a:xfrm>
+          <a:prstGeom prst="rect">
+            <a:avLst/>
+          </a:prstGeom>
+          <a:noFill/>
+          <a:ln>
+            <a:noFill/>
+          </a:ln>
+        </p:spPr>
+      </p:pic>
+    </p:spTree>
+  </p:cSld>
+  <p:clrMapOvr>
+    <a:masterClrMapping/>
+  </p:clrMapOvr>
+</p:sld>
+</file>
+
+<file path=ppt/slides/slide11.xml><?xml version="1.0" encoding="utf-8"?>
+<p:sld xmlns:a="http://schemas.openxmlformats.org/drawingml/2006/main" xmlns:r="http://schemas.openxmlformats.org/officeDocument/2006/relationships" xmlns:mc="http://schemas.openxmlformats.org/markup-compatibility/2006" xmlns:mv="urn:schemas-microsoft-com:mac:vml" xmlns:p="http://schemas.openxmlformats.org/presentationml/2006/main" xmlns:c="http://schemas.openxmlformats.org/drawingml/2006/chart" xmlns:dgm="http://schemas.openxmlformats.org/drawingml/2006/diagram" xmlns:o="urn:schemas-microsoft-com:office:office" xmlns:v="urn:schemas-microsoft-com:vml" xmlns:pvml="urn:schemas-microsoft-com:office:powerpoint" xmlns:com="http://schemas.openxmlformats.org/drawingml/2006/compatibility" xmlns:p14="http://schemas.microsoft.com/office/powerpoint/2010/main" xmlns:p15="http://schemas.microsoft.com/office/powerpoint/2012/main">
+  <p:cSld>
+    <p:spTree>
+      <p:nvGrpSpPr>
+        <p:cNvPr id="125" name="Shape 125"/>
+        <p:cNvGrpSpPr/>
+        <p:nvPr/>
+      </p:nvGrpSpPr>
+      <p:grpSpPr>
+        <a:xfrm>
+          <a:off x="0" y="0"/>
+          <a:ext cx="0" cy="0"/>
+          <a:chOff x="0" y="0"/>
+          <a:chExt cx="0" cy="0"/>
+        </a:xfrm>
+      </p:grpSpPr>
+      <p:sp>
+        <p:nvSpPr>
+          <p:cNvPr id="126" name="Shape 126"/>
+          <p:cNvSpPr txBox="1"/>
+          <p:nvPr>
+            <p:ph type="ctrTitle"/>
+          </p:nvPr>
+        </p:nvSpPr>
+        <p:spPr>
+          <a:xfrm>
+            <a:off x="344250" y="1403850"/>
+            <a:ext cx="3984000" cy="2146800"/>
+          </a:xfrm>
+          <a:prstGeom prst="rect">
+            <a:avLst/>
+          </a:prstGeom>
+        </p:spPr>
+        <p:txBody>
+          <a:bodyPr anchorCtr="0" anchor="ctr" bIns="91425" lIns="91425" rIns="91425" tIns="91425">
+            <a:noAutofit/>
+          </a:bodyPr>
+          <a:lstStyle/>
+          <a:p>
+            <a:pPr lvl="0">
+              <a:spcBef>
+                <a:spcPts val="0"/>
+              </a:spcBef>
+              <a:buNone/>
+            </a:pPr>
+            <a:r>
+              <a:rPr lang="en-GB"/>
+              <a:t>Click apply</a:t>
+            </a:r>
+          </a:p>
+        </p:txBody>
+      </p:sp>
+      <p:pic>
+        <p:nvPicPr>
+          <p:cNvPr id="127" name="Shape 127"/>
+          <p:cNvPicPr preferRelativeResize="0"/>
+          <p:nvPr/>
+        </p:nvPicPr>
+        <p:blipFill rotWithShape="1">
+          <a:blip r:embed="rId3">
+            <a:alphaModFix/>
+          </a:blip>
+          <a:srcRect b="29029" l="38269" r="37623" t="29230"/>
+          <a:stretch/>
+        </p:blipFill>
+        <p:spPr>
+          <a:xfrm>
+            <a:off x="4573274" y="312112"/>
+            <a:ext cx="4446374" cy="4330276"/>
+          </a:xfrm>
+          <a:prstGeom prst="rect">
+            <a:avLst/>
+          </a:prstGeom>
+          <a:noFill/>
+          <a:ln>
+            <a:noFill/>
+          </a:ln>
+        </p:spPr>
+      </p:pic>
+      <p:sp>
+        <p:nvSpPr>
+          <p:cNvPr id="128" name="Shape 128"/>
+          <p:cNvSpPr txBox="1"/>
+          <p:nvPr>
+            <p:ph idx="1" type="subTitle"/>
+          </p:nvPr>
+        </p:nvSpPr>
+        <p:spPr>
+          <a:xfrm>
+            <a:off x="344250" y="3550650"/>
+            <a:ext cx="4910100" cy="577800"/>
+          </a:xfrm>
+          <a:prstGeom prst="rect">
+            <a:avLst/>
+          </a:prstGeom>
+        </p:spPr>
+        <p:txBody>
+          <a:bodyPr anchorCtr="0" anchor="ctr" bIns="91425" lIns="91425" rIns="91425" tIns="91425">
+            <a:noAutofit/>
+          </a:bodyPr>
+          <a:lstStyle/>
+          <a:p>
+            <a:pPr lvl="0">
+              <a:spcBef>
+                <a:spcPts val="0"/>
+              </a:spcBef>
+              <a:buNone/>
+            </a:pPr>
+            <a:r>
+              <a:t/>
+            </a:r>
+            <a:endParaRPr/>
+          </a:p>
+        </p:txBody>
+      </p:sp>
+    </p:spTree>
+  </p:cSld>
+  <p:clrMapOvr>
+    <a:masterClrMapping/>
+  </p:clrMapOvr>
+</p:sld>
+</file>
+
+<file path=ppt/slides/slide12.xml><?xml version="1.0" encoding="utf-8"?>
+<p:sld xmlns:a="http://schemas.openxmlformats.org/drawingml/2006/main" xmlns:r="http://schemas.openxmlformats.org/officeDocument/2006/relationships" xmlns:mc="http://schemas.openxmlformats.org/markup-compatibility/2006" xmlns:mv="urn:schemas-microsoft-com:mac:vml" xmlns:p="http://schemas.openxmlformats.org/presentationml/2006/main" xmlns:c="http://schemas.openxmlformats.org/drawingml/2006/chart" xmlns:dgm="http://schemas.openxmlformats.org/drawingml/2006/diagram" xmlns:o="urn:schemas-microsoft-com:office:office" xmlns:v="urn:schemas-microsoft-com:vml" xmlns:pvml="urn:schemas-microsoft-com:office:powerpoint" xmlns:com="http://schemas.openxmlformats.org/drawingml/2006/compatibility" xmlns:p14="http://schemas.microsoft.com/office/powerpoint/2010/main" xmlns:p15="http://schemas.microsoft.com/office/powerpoint/2012/main">
+  <p:cSld>
+    <p:spTree>
+      <p:nvGrpSpPr>
+        <p:cNvPr id="132" name="Shape 132"/>
+        <p:cNvGrpSpPr/>
+        <p:nvPr/>
+      </p:nvGrpSpPr>
+      <p:grpSpPr>
+        <a:xfrm>
+          <a:off x="0" y="0"/>
+          <a:ext cx="0" cy="0"/>
+          <a:chOff x="0" y="0"/>
+          <a:chExt cx="0" cy="0"/>
+        </a:xfrm>
+      </p:grpSpPr>
+      <p:sp>
+        <p:nvSpPr>
+          <p:cNvPr id="133" name="Shape 133"/>
+          <p:cNvSpPr txBox="1"/>
+          <p:nvPr>
+            <p:ph type="title"/>
+          </p:nvPr>
+        </p:nvSpPr>
+        <p:spPr>
+          <a:xfrm>
+            <a:off x="265500" y="1081675"/>
+            <a:ext cx="4045200" cy="3337500"/>
+          </a:xfrm>
+          <a:prstGeom prst="rect">
+            <a:avLst/>
+          </a:prstGeom>
+        </p:spPr>
+        <p:txBody>
+          <a:bodyPr anchorCtr="0" anchor="b" bIns="91425" lIns="91425" rIns="91425" tIns="91425">
+            <a:noAutofit/>
+          </a:bodyPr>
+          <a:lstStyle/>
+          <a:p>
+            <a:pPr lvl="0">
+              <a:spcBef>
+                <a:spcPts val="0"/>
+              </a:spcBef>
+              <a:buNone/>
+            </a:pPr>
+            <a:r>
+              <a:rPr lang="en-GB"/>
+              <a:t>On the command line, type ‘dos2unix HelloWorld.py’ for the program to be executable from the bick</a:t>
+            </a:r>
+          </a:p>
+        </p:txBody>
+      </p:sp>
+      <p:sp>
+        <p:nvSpPr>
+          <p:cNvPr id="134" name="Shape 134"/>
+          <p:cNvSpPr txBox="1"/>
+          <p:nvPr>
+            <p:ph idx="1" type="subTitle"/>
+          </p:nvPr>
+        </p:nvSpPr>
+        <p:spPr>
+          <a:xfrm>
+            <a:off x="265500" y="2921400"/>
+            <a:ext cx="4045200" cy="1345500"/>
+          </a:xfrm>
+          <a:prstGeom prst="rect">
+            <a:avLst/>
+          </a:prstGeom>
+        </p:spPr>
+        <p:txBody>
+          <a:bodyPr anchorCtr="0" anchor="t" bIns="91425" lIns="91425" rIns="91425" tIns="91425">
+            <a:noAutofit/>
+          </a:bodyPr>
+          <a:lstStyle/>
+          <a:p>
+            <a:pPr lvl="0">
+              <a:spcBef>
+                <a:spcPts val="0"/>
+              </a:spcBef>
+              <a:buNone/>
+            </a:pPr>
+            <a:r>
+              <a:t/>
+            </a:r>
+            <a:endParaRPr/>
+          </a:p>
+        </p:txBody>
+      </p:sp>
+      <p:sp>
+        <p:nvSpPr>
+          <p:cNvPr id="135" name="Shape 135"/>
+          <p:cNvSpPr txBox="1"/>
+          <p:nvPr>
+            <p:ph idx="2" type="body"/>
+          </p:nvPr>
+        </p:nvSpPr>
+        <p:spPr>
+          <a:xfrm>
+            <a:off x="4939500" y="724200"/>
+            <a:ext cx="3837000" cy="3695100"/>
+          </a:xfrm>
+          <a:prstGeom prst="rect">
+            <a:avLst/>
+          </a:prstGeom>
+        </p:spPr>
+        <p:txBody>
+          <a:bodyPr anchorCtr="0" anchor="ctr" bIns="91425" lIns="91425" rIns="91425" tIns="91425">
+            <a:noAutofit/>
+          </a:bodyPr>
+          <a:lstStyle/>
+          <a:p>
+            <a:pPr lvl="0">
+              <a:spcBef>
+                <a:spcPts val="0"/>
+              </a:spcBef>
+              <a:buNone/>
+            </a:pPr>
+            <a:r>
+              <a:t/>
+            </a:r>
+            <a:endParaRPr/>
+          </a:p>
+        </p:txBody>
+      </p:sp>
+      <p:pic>
+        <p:nvPicPr>
+          <p:cNvPr id="136" name="Shape 136"/>
+          <p:cNvPicPr preferRelativeResize="0"/>
+          <p:nvPr/>
+        </p:nvPicPr>
+        <p:blipFill rotWithShape="1">
+          <a:blip r:embed="rId3">
+            <a:alphaModFix/>
+          </a:blip>
+          <a:srcRect b="17336" l="45461" r="23881" t="75718"/>
+          <a:stretch/>
+        </p:blipFill>
+        <p:spPr>
+          <a:xfrm>
+            <a:off x="2374050" y="2204037"/>
+            <a:ext cx="6920673" cy="1092773"/>
+          </a:xfrm>
+          <a:prstGeom prst="rect">
+            <a:avLst/>
+          </a:prstGeom>
+          <a:noFill/>
+          <a:ln>
+            <a:noFill/>
+          </a:ln>
+        </p:spPr>
+      </p:pic>
+    </p:spTree>
+  </p:cSld>
+  <p:clrMapOvr>
+    <a:masterClrMapping/>
+  </p:clrMapOvr>
+  <p:timing>
+    <p:tnLst>
+      <p:par>
+        <p:cTn dur="indefinite" nodeType="tmRoot" restart="never">
+          <p:childTnLst>
+            <p:seq concurrent="1" nextAc="seek">
+              <p:cTn dur="indefinite" id="2" nodeType="mainSeq">
+                <p:childTnLst>
+                  <p:par>
+                    <p:cTn fill="hold">
+                      <p:stCondLst>
+                        <p:cond delay="indefinite"/>
+                      </p:stCondLst>
+                      <p:childTnLst>
+                        <p:par>
+                          <p:cTn fill="hold">
+                            <p:stCondLst>
+                              <p:cond delay="0"/>
+                            </p:stCondLst>
+                            <p:childTnLst>
+                              <p:par>
+                                <p:cTn fill="hold" nodeType="clickEffect" presetClass="entr" presetID="2" presetSubtype="4">
+                                  <p:stCondLst>
+                                    <p:cond delay="0"/>
+                                  </p:stCondLst>
+                                  <p:childTnLst>
+                                    <p:set>
+                                      <p:cBhvr>
+                                        <p:cTn dur="1" fill="hold">
+                                          <p:stCondLst>
+                                            <p:cond delay="0"/>
+                                          </p:stCondLst>
+                                        </p:cTn>
+                                        <p:tgtEl>
+                                          <p:spTgt spid="136"/>
+                                        </p:tgtEl>
+                                        <p:attrNameLst>
+                                          <p:attrName>style.visibility</p:attrName>
+                                        </p:attrNameLst>
+                                      </p:cBhvr>
+                                      <p:to>
+                                        <p:strVal val="visible"/>
+                                      </p:to>
+                                    </p:set>
+                                    <p:anim calcmode="lin" valueType="num">
+                                      <p:cBhvr additive="base">
+                                        <p:cTn dur="1000"/>
+                                        <p:tgtEl>
+                                          <p:spTgt spid="136"/>
+                                        </p:tgtEl>
+                                        <p:attrNameLst>
+                                          <p:attrName>ppt_y</p:attrName>
+                                        </p:attrNameLst>
+                                      </p:cBhvr>
+                                      <p:tavLst>
+                                        <p:tav fmla="" tm="0">
+                                          <p:val>
+                                            <p:strVal val="#ppt_y+1"/>
+                                          </p:val>
+                                        </p:tav>
+                                        <p:tav fmla="" tm="100000">
+                                          <p:val>
+                                            <p:strVal val="#ppt_y"/>
+                                          </p:val>
+                                        </p:tav>
+                                      </p:tavLst>
+                                    </p:anim>
+                                  </p:childTnLst>
+                                </p:cTn>
+                              </p:par>
+                            </p:childTnLst>
+                          </p:cTn>
+                        </p:par>
+                      </p:childTnLst>
+                    </p:cTn>
+                  </p:par>
+                </p:childTnLst>
+              </p:cTn>
+              <p:prevCondLst>
+                <p:cond evt="onPrev">
+                  <p:tgtEl>
+                    <p:sldTgt/>
+                  </p:tgtEl>
+                </p:cond>
+              </p:prevCondLst>
+              <p:nextCondLst>
+                <p:cond evt="onNext">
+                  <p:tgtEl>
+                    <p:sldTgt/>
+                  </p:tgtEl>
+                </p:cond>
+              </p:nextCondLst>
+            </p:seq>
+          </p:childTnLst>
+        </p:cTn>
+      </p:par>
+    </p:tnLst>
+  </p:timing>
+</p:sld>
+</file>
+
+<file path=ppt/slides/slide13.xml><?xml version="1.0" encoding="utf-8"?>
+<p:sld xmlns:a="http://schemas.openxmlformats.org/drawingml/2006/main" xmlns:r="http://schemas.openxmlformats.org/officeDocument/2006/relationships" xmlns:mc="http://schemas.openxmlformats.org/markup-compatibility/2006" xmlns:mv="urn:schemas-microsoft-com:mac:vml" xmlns:p="http://schemas.openxmlformats.org/presentationml/2006/main" xmlns:c="http://schemas.openxmlformats.org/drawingml/2006/chart" xmlns:dgm="http://schemas.openxmlformats.org/drawingml/2006/diagram" xmlns:o="urn:schemas-microsoft-com:office:office" xmlns:v="urn:schemas-microsoft-com:vml" xmlns:pvml="urn:schemas-microsoft-com:office:powerpoint" xmlns:com="http://schemas.openxmlformats.org/drawingml/2006/compatibility" xmlns:p14="http://schemas.microsoft.com/office/powerpoint/2010/main" xmlns:p15="http://schemas.microsoft.com/office/powerpoint/2012/main">
+  <p:cSld>
+    <p:spTree>
+      <p:nvGrpSpPr>
+        <p:cNvPr id="140" name="Shape 140"/>
+        <p:cNvGrpSpPr/>
+        <p:nvPr/>
+      </p:nvGrpSpPr>
+      <p:grpSpPr>
+        <a:xfrm>
+          <a:off x="0" y="0"/>
+          <a:ext cx="0" cy="0"/>
+          <a:chOff x="0" y="0"/>
+          <a:chExt cx="0" cy="0"/>
+        </a:xfrm>
+      </p:grpSpPr>
+      <p:sp>
+        <p:nvSpPr>
+          <p:cNvPr id="141" name="Shape 141"/>
+          <p:cNvSpPr txBox="1"/>
+          <p:nvPr>
+            <p:ph type="title"/>
+          </p:nvPr>
+        </p:nvSpPr>
+        <p:spPr>
+          <a:xfrm>
+            <a:off x="344250" y="364650"/>
+            <a:ext cx="8455500" cy="4191000"/>
+          </a:xfrm>
+          <a:prstGeom prst="rect">
+            <a:avLst/>
+          </a:prstGeom>
+        </p:spPr>
+        <p:txBody>
+          <a:bodyPr anchorCtr="0" anchor="ctr" bIns="91425" lIns="91425" rIns="91425" tIns="91425">
+            <a:noAutofit/>
+          </a:bodyPr>
+          <a:lstStyle/>
+          <a:p>
+            <a:pPr lvl="0">
+              <a:spcBef>
+                <a:spcPts val="0"/>
+              </a:spcBef>
+              <a:buNone/>
+            </a:pPr>
+            <a:r>
+              <a:rPr b="0" lang="en-GB">
+                <a:latin typeface="Times New Roman"/>
+                <a:ea typeface="Times New Roman"/>
+                <a:cs typeface="Times New Roman"/>
+                <a:sym typeface="Times New Roman"/>
+              </a:rPr>
+              <a:t>Now you can run the program from the brick. Go to ‘File Browser’ &gt; ‘HelloWorld.py*’</a:t>
+            </a:r>
+          </a:p>
+          <a:p>
+            <a:pPr lvl="0">
+              <a:spcBef>
+                <a:spcPts val="0"/>
+              </a:spcBef>
+              <a:buNone/>
+            </a:pPr>
+            <a:r>
+              <a:rPr b="0" lang="en-GB">
+                <a:latin typeface="Times New Roman"/>
+                <a:ea typeface="Times New Roman"/>
+                <a:cs typeface="Times New Roman"/>
+                <a:sym typeface="Times New Roman"/>
+              </a:rPr>
+              <a:t>The asterisk * indicates that dos2unix has converted the Windows EOF to Unix EOF.</a:t>
+            </a:r>
+          </a:p>
+        </p:txBody>
+      </p:sp>
+    </p:spTree>
+  </p:cSld>
+  <p:clrMapOvr>
+    <a:masterClrMapping/>
+  </p:clrMapOvr>
+</p:sld>
+</file>
+
 <file path=ppt/slides/slide2.xml><?xml version="1.0" encoding="utf-8"?>
 <p:sld xmlns:a="http://schemas.openxmlformats.org/drawingml/2006/main" xmlns:r="http://schemas.openxmlformats.org/officeDocument/2006/relationships" xmlns:mc="http://schemas.openxmlformats.org/markup-compatibility/2006" xmlns:mv="urn:schemas-microsoft-com:mac:vml" xmlns:p="http://schemas.openxmlformats.org/presentationml/2006/main" xmlns:c="http://schemas.openxmlformats.org/drawingml/2006/chart" xmlns:dgm="http://schemas.openxmlformats.org/drawingml/2006/diagram" xmlns:o="urn:schemas-microsoft-com:office:office" xmlns:v="urn:schemas-microsoft-com:vml" xmlns:pvml="urn:schemas-microsoft-com:office:powerpoint" xmlns:com="http://schemas.openxmlformats.org/drawingml/2006/compatibility" xmlns:p14="http://schemas.microsoft.com/office/powerpoint/2010/main" xmlns:p15="http://schemas.microsoft.com/office/powerpoint/2012/main">
   <p:cSld>
@@ -4568,9 +6249,9 @@
               <a:buNone/>
             </a:pPr>
             <a:r>
-              <a:t/>
+              <a:rPr lang="en-GB"/>
+              <a:t>Write the first program in EV3</a:t>
             </a:r>
-            <a:endParaRPr/>
           </a:p>
         </p:txBody>
       </p:sp>
@@ -4640,9 +6321,1007 @@
               <a:buNone/>
             </a:pPr>
             <a:r>
+              <a:rPr lang="en-GB" sz="3000"/>
+              <a:t>Before going on, please make sure that you updated the kernel and everything on Lesson 1. Make sure that you have the dis2unix package.</a:t>
+            </a:r>
+          </a:p>
+        </p:txBody>
+      </p:sp>
+    </p:spTree>
+  </p:cSld>
+  <p:clrMapOvr>
+    <a:masterClrMapping/>
+  </p:clrMapOvr>
+</p:sld>
+</file>
+
+<file path=ppt/slides/slide3.xml><?xml version="1.0" encoding="utf-8"?>
+<p:sld xmlns:a="http://schemas.openxmlformats.org/drawingml/2006/main" xmlns:r="http://schemas.openxmlformats.org/officeDocument/2006/relationships" xmlns:mc="http://schemas.openxmlformats.org/markup-compatibility/2006" xmlns:mv="urn:schemas-microsoft-com:mac:vml" xmlns:p="http://schemas.openxmlformats.org/presentationml/2006/main" xmlns:c="http://schemas.openxmlformats.org/drawingml/2006/chart" xmlns:dgm="http://schemas.openxmlformats.org/drawingml/2006/diagram" xmlns:o="urn:schemas-microsoft-com:office:office" xmlns:v="urn:schemas-microsoft-com:vml" xmlns:pvml="urn:schemas-microsoft-com:office:powerpoint" xmlns:com="http://schemas.openxmlformats.org/drawingml/2006/compatibility" xmlns:p14="http://schemas.microsoft.com/office/powerpoint/2010/main" xmlns:p15="http://schemas.microsoft.com/office/powerpoint/2012/main">
+  <p:cSld>
+    <p:spTree>
+      <p:nvGrpSpPr>
+        <p:cNvPr id="70" name="Shape 70"/>
+        <p:cNvGrpSpPr/>
+        <p:nvPr/>
+      </p:nvGrpSpPr>
+      <p:grpSpPr>
+        <a:xfrm>
+          <a:off x="0" y="0"/>
+          <a:ext cx="0" cy="0"/>
+          <a:chOff x="0" y="0"/>
+          <a:chExt cx="0" cy="0"/>
+        </a:xfrm>
+      </p:grpSpPr>
+      <p:sp>
+        <p:nvSpPr>
+          <p:cNvPr id="71" name="Shape 71"/>
+          <p:cNvSpPr txBox="1"/>
+          <p:nvPr>
+            <p:ph type="title"/>
+          </p:nvPr>
+        </p:nvSpPr>
+        <p:spPr>
+          <a:xfrm>
+            <a:off x="0" y="1249925"/>
+            <a:ext cx="4045200" cy="1786200"/>
+          </a:xfrm>
+          <a:prstGeom prst="rect">
+            <a:avLst/>
+          </a:prstGeom>
+        </p:spPr>
+        <p:txBody>
+          <a:bodyPr anchorCtr="0" anchor="b" bIns="91425" lIns="91425" rIns="91425" tIns="91425">
+            <a:noAutofit/>
+          </a:bodyPr>
+          <a:lstStyle/>
+          <a:p>
+            <a:pPr lvl="0" algn="l">
+              <a:spcBef>
+                <a:spcPts val="0"/>
+              </a:spcBef>
+              <a:buNone/>
+            </a:pPr>
+            <a:r>
+              <a:rPr lang="en-GB"/>
+              <a:t>In MobaXterm, right-click and then create a new python file.</a:t>
+            </a:r>
+          </a:p>
+        </p:txBody>
+      </p:sp>
+      <p:sp>
+        <p:nvSpPr>
+          <p:cNvPr id="72" name="Shape 72"/>
+          <p:cNvSpPr txBox="1"/>
+          <p:nvPr>
+            <p:ph idx="1" type="subTitle"/>
+          </p:nvPr>
+        </p:nvSpPr>
+        <p:spPr>
+          <a:xfrm>
+            <a:off x="265500" y="2921400"/>
+            <a:ext cx="4045200" cy="1345500"/>
+          </a:xfrm>
+          <a:prstGeom prst="rect">
+            <a:avLst/>
+          </a:prstGeom>
+        </p:spPr>
+        <p:txBody>
+          <a:bodyPr anchorCtr="0" anchor="t" bIns="91425" lIns="91425" rIns="91425" tIns="91425">
+            <a:noAutofit/>
+          </a:bodyPr>
+          <a:lstStyle/>
+          <a:p>
+            <a:pPr lvl="0">
+              <a:spcBef>
+                <a:spcPts val="0"/>
+              </a:spcBef>
+              <a:buNone/>
+            </a:pPr>
+            <a:r>
               <a:t/>
             </a:r>
             <a:endParaRPr/>
+          </a:p>
+        </p:txBody>
+      </p:sp>
+      <p:sp>
+        <p:nvSpPr>
+          <p:cNvPr id="73" name="Shape 73"/>
+          <p:cNvSpPr txBox="1"/>
+          <p:nvPr>
+            <p:ph idx="2" type="body"/>
+          </p:nvPr>
+        </p:nvSpPr>
+        <p:spPr>
+          <a:xfrm>
+            <a:off x="4939500" y="724200"/>
+            <a:ext cx="3837000" cy="3695100"/>
+          </a:xfrm>
+          <a:prstGeom prst="rect">
+            <a:avLst/>
+          </a:prstGeom>
+        </p:spPr>
+        <p:txBody>
+          <a:bodyPr anchorCtr="0" anchor="ctr" bIns="91425" lIns="91425" rIns="91425" tIns="91425">
+            <a:noAutofit/>
+          </a:bodyPr>
+          <a:lstStyle/>
+          <a:p>
+            <a:pPr lvl="0">
+              <a:spcBef>
+                <a:spcPts val="0"/>
+              </a:spcBef>
+              <a:buNone/>
+            </a:pPr>
+            <a:r>
+              <a:t/>
+            </a:r>
+            <a:endParaRPr/>
+          </a:p>
+        </p:txBody>
+      </p:sp>
+      <p:pic>
+        <p:nvPicPr>
+          <p:cNvPr id="74" name="Shape 74"/>
+          <p:cNvPicPr preferRelativeResize="0"/>
+          <p:nvPr/>
+        </p:nvPicPr>
+        <p:blipFill rotWithShape="1">
+          <a:blip r:embed="rId3">
+            <a:alphaModFix/>
+          </a:blip>
+          <a:srcRect b="17041" l="29635" r="4020" t="8180"/>
+          <a:stretch/>
+        </p:blipFill>
+        <p:spPr>
+          <a:xfrm>
+            <a:off x="2943725" y="169225"/>
+            <a:ext cx="6200275" cy="4805049"/>
+          </a:xfrm>
+          <a:prstGeom prst="rect">
+            <a:avLst/>
+          </a:prstGeom>
+          <a:noFill/>
+          <a:ln>
+            <a:noFill/>
+          </a:ln>
+        </p:spPr>
+      </p:pic>
+    </p:spTree>
+  </p:cSld>
+  <p:clrMapOvr>
+    <a:masterClrMapping/>
+  </p:clrMapOvr>
+</p:sld>
+</file>
+
+<file path=ppt/slides/slide4.xml><?xml version="1.0" encoding="utf-8"?>
+<p:sld xmlns:a="http://schemas.openxmlformats.org/drawingml/2006/main" xmlns:r="http://schemas.openxmlformats.org/officeDocument/2006/relationships" xmlns:mc="http://schemas.openxmlformats.org/markup-compatibility/2006" xmlns:mv="urn:schemas-microsoft-com:mac:vml" xmlns:p="http://schemas.openxmlformats.org/presentationml/2006/main" xmlns:c="http://schemas.openxmlformats.org/drawingml/2006/chart" xmlns:dgm="http://schemas.openxmlformats.org/drawingml/2006/diagram" xmlns:o="urn:schemas-microsoft-com:office:office" xmlns:v="urn:schemas-microsoft-com:vml" xmlns:pvml="urn:schemas-microsoft-com:office:powerpoint" xmlns:com="http://schemas.openxmlformats.org/drawingml/2006/compatibility" xmlns:p14="http://schemas.microsoft.com/office/powerpoint/2010/main" xmlns:p15="http://schemas.microsoft.com/office/powerpoint/2012/main">
+  <p:cSld>
+    <p:spTree>
+      <p:nvGrpSpPr>
+        <p:cNvPr id="78" name="Shape 78"/>
+        <p:cNvGrpSpPr/>
+        <p:nvPr/>
+      </p:nvGrpSpPr>
+      <p:grpSpPr>
+        <a:xfrm>
+          <a:off x="0" y="0"/>
+          <a:ext cx="0" cy="0"/>
+          <a:chOff x="0" y="0"/>
+          <a:chExt cx="0" cy="0"/>
+        </a:xfrm>
+      </p:grpSpPr>
+      <p:sp>
+        <p:nvSpPr>
+          <p:cNvPr id="79" name="Shape 79"/>
+          <p:cNvSpPr txBox="1"/>
+          <p:nvPr>
+            <p:ph type="title"/>
+          </p:nvPr>
+        </p:nvSpPr>
+        <p:spPr>
+          <a:xfrm>
+            <a:off x="0" y="2074300"/>
+            <a:ext cx="4045200" cy="1786200"/>
+          </a:xfrm>
+          <a:prstGeom prst="rect">
+            <a:avLst/>
+          </a:prstGeom>
+        </p:spPr>
+        <p:txBody>
+          <a:bodyPr anchorCtr="0" anchor="b" bIns="91425" lIns="91425" rIns="91425" tIns="91425">
+            <a:noAutofit/>
+          </a:bodyPr>
+          <a:lstStyle/>
+          <a:p>
+            <a:pPr lvl="0" rtl="0">
+              <a:spcBef>
+                <a:spcPts val="0"/>
+              </a:spcBef>
+              <a:buNone/>
+            </a:pPr>
+            <a:r>
+              <a:rPr lang="en-GB"/>
+              <a:t>All Python files end with ‘.py’. In this example, we will create a HelloWorld.py file</a:t>
+            </a:r>
+          </a:p>
+        </p:txBody>
+      </p:sp>
+      <p:sp>
+        <p:nvSpPr>
+          <p:cNvPr id="80" name="Shape 80"/>
+          <p:cNvSpPr txBox="1"/>
+          <p:nvPr>
+            <p:ph idx="1" type="subTitle"/>
+          </p:nvPr>
+        </p:nvSpPr>
+        <p:spPr>
+          <a:xfrm>
+            <a:off x="265500" y="2921400"/>
+            <a:ext cx="4045200" cy="1345500"/>
+          </a:xfrm>
+          <a:prstGeom prst="rect">
+            <a:avLst/>
+          </a:prstGeom>
+        </p:spPr>
+        <p:txBody>
+          <a:bodyPr anchorCtr="0" anchor="t" bIns="91425" lIns="91425" rIns="91425" tIns="91425">
+            <a:noAutofit/>
+          </a:bodyPr>
+          <a:lstStyle/>
+          <a:p>
+            <a:pPr lvl="0">
+              <a:spcBef>
+                <a:spcPts val="0"/>
+              </a:spcBef>
+              <a:buNone/>
+            </a:pPr>
+            <a:r>
+              <a:t/>
+            </a:r>
+            <a:endParaRPr/>
+          </a:p>
+        </p:txBody>
+      </p:sp>
+      <p:sp>
+        <p:nvSpPr>
+          <p:cNvPr id="81" name="Shape 81"/>
+          <p:cNvSpPr txBox="1"/>
+          <p:nvPr>
+            <p:ph idx="2" type="body"/>
+          </p:nvPr>
+        </p:nvSpPr>
+        <p:spPr>
+          <a:xfrm>
+            <a:off x="4939500" y="724200"/>
+            <a:ext cx="3837000" cy="3695100"/>
+          </a:xfrm>
+          <a:prstGeom prst="rect">
+            <a:avLst/>
+          </a:prstGeom>
+        </p:spPr>
+        <p:txBody>
+          <a:bodyPr anchorCtr="0" anchor="ctr" bIns="91425" lIns="91425" rIns="91425" tIns="91425">
+            <a:noAutofit/>
+          </a:bodyPr>
+          <a:lstStyle/>
+          <a:p>
+            <a:pPr lvl="0">
+              <a:spcBef>
+                <a:spcPts val="0"/>
+              </a:spcBef>
+              <a:buNone/>
+            </a:pPr>
+            <a:r>
+              <a:t/>
+            </a:r>
+            <a:endParaRPr/>
+          </a:p>
+        </p:txBody>
+      </p:sp>
+      <p:pic>
+        <p:nvPicPr>
+          <p:cNvPr id="82" name="Shape 82"/>
+          <p:cNvPicPr preferRelativeResize="0"/>
+          <p:nvPr/>
+        </p:nvPicPr>
+        <p:blipFill rotWithShape="1">
+          <a:blip r:embed="rId3">
+            <a:alphaModFix/>
+          </a:blip>
+          <a:srcRect b="31208" l="33326" r="49983" t="21175"/>
+          <a:stretch/>
+        </p:blipFill>
+        <p:spPr>
+          <a:xfrm>
+            <a:off x="4675725" y="422450"/>
+            <a:ext cx="3837000" cy="4721049"/>
+          </a:xfrm>
+          <a:prstGeom prst="rect">
+            <a:avLst/>
+          </a:prstGeom>
+          <a:noFill/>
+          <a:ln>
+            <a:noFill/>
+          </a:ln>
+        </p:spPr>
+      </p:pic>
+    </p:spTree>
+  </p:cSld>
+  <p:clrMapOvr>
+    <a:masterClrMapping/>
+  </p:clrMapOvr>
+</p:sld>
+</file>
+
+<file path=ppt/slides/slide5.xml><?xml version="1.0" encoding="utf-8"?>
+<p:sld xmlns:a="http://schemas.openxmlformats.org/drawingml/2006/main" xmlns:r="http://schemas.openxmlformats.org/officeDocument/2006/relationships" xmlns:mc="http://schemas.openxmlformats.org/markup-compatibility/2006" xmlns:mv="urn:schemas-microsoft-com:mac:vml" xmlns:p="http://schemas.openxmlformats.org/presentationml/2006/main" xmlns:c="http://schemas.openxmlformats.org/drawingml/2006/chart" xmlns:dgm="http://schemas.openxmlformats.org/drawingml/2006/diagram" xmlns:o="urn:schemas-microsoft-com:office:office" xmlns:v="urn:schemas-microsoft-com:vml" xmlns:pvml="urn:schemas-microsoft-com:office:powerpoint" xmlns:com="http://schemas.openxmlformats.org/drawingml/2006/compatibility" xmlns:p14="http://schemas.microsoft.com/office/powerpoint/2010/main" xmlns:p15="http://schemas.microsoft.com/office/powerpoint/2012/main">
+  <p:cSld>
+    <p:spTree>
+      <p:nvGrpSpPr>
+        <p:cNvPr id="86" name="Shape 86"/>
+        <p:cNvGrpSpPr/>
+        <p:nvPr/>
+      </p:nvGrpSpPr>
+      <p:grpSpPr>
+        <a:xfrm>
+          <a:off x="0" y="0"/>
+          <a:ext cx="0" cy="0"/>
+          <a:chOff x="0" y="0"/>
+          <a:chExt cx="0" cy="0"/>
+        </a:xfrm>
+      </p:grpSpPr>
+      <p:sp>
+        <p:nvSpPr>
+          <p:cNvPr id="87" name="Shape 87"/>
+          <p:cNvSpPr txBox="1"/>
+          <p:nvPr>
+            <p:ph type="title"/>
+          </p:nvPr>
+        </p:nvSpPr>
+        <p:spPr>
+          <a:xfrm>
+            <a:off x="119875" y="234350"/>
+            <a:ext cx="3216600" cy="4419300"/>
+          </a:xfrm>
+          <a:prstGeom prst="rect">
+            <a:avLst/>
+          </a:prstGeom>
+        </p:spPr>
+        <p:txBody>
+          <a:bodyPr anchorCtr="0" anchor="b" bIns="91425" lIns="91425" rIns="91425" tIns="91425">
+            <a:noAutofit/>
+          </a:bodyPr>
+          <a:lstStyle/>
+          <a:p>
+            <a:pPr lvl="0">
+              <a:spcBef>
+                <a:spcPts val="0"/>
+              </a:spcBef>
+              <a:buNone/>
+            </a:pPr>
+            <a:r>
+              <a:rPr lang="en-GB"/>
+              <a:t>The first 3 lines are very important at the beginning and must be kept in all other programs</a:t>
+            </a:r>
+          </a:p>
+        </p:txBody>
+      </p:sp>
+      <p:sp>
+        <p:nvSpPr>
+          <p:cNvPr id="88" name="Shape 88"/>
+          <p:cNvSpPr txBox="1"/>
+          <p:nvPr>
+            <p:ph idx="1" type="subTitle"/>
+          </p:nvPr>
+        </p:nvSpPr>
+        <p:spPr>
+          <a:xfrm>
+            <a:off x="265500" y="2921400"/>
+            <a:ext cx="4045200" cy="1345500"/>
+          </a:xfrm>
+          <a:prstGeom prst="rect">
+            <a:avLst/>
+          </a:prstGeom>
+        </p:spPr>
+        <p:txBody>
+          <a:bodyPr anchorCtr="0" anchor="t" bIns="91425" lIns="91425" rIns="91425" tIns="91425">
+            <a:noAutofit/>
+          </a:bodyPr>
+          <a:lstStyle/>
+          <a:p>
+            <a:pPr lvl="0" algn="l">
+              <a:spcBef>
+                <a:spcPts val="0"/>
+              </a:spcBef>
+              <a:buNone/>
+            </a:pPr>
+            <a:r>
+              <a:t/>
+            </a:r>
+            <a:endParaRPr/>
+          </a:p>
+        </p:txBody>
+      </p:sp>
+      <p:sp>
+        <p:nvSpPr>
+          <p:cNvPr id="89" name="Shape 89"/>
+          <p:cNvSpPr txBox="1"/>
+          <p:nvPr>
+            <p:ph idx="2" type="body"/>
+          </p:nvPr>
+        </p:nvSpPr>
+        <p:spPr>
+          <a:xfrm>
+            <a:off x="4939500" y="724200"/>
+            <a:ext cx="3837000" cy="3695100"/>
+          </a:xfrm>
+          <a:prstGeom prst="rect">
+            <a:avLst/>
+          </a:prstGeom>
+        </p:spPr>
+        <p:txBody>
+          <a:bodyPr anchorCtr="0" anchor="ctr" bIns="91425" lIns="91425" rIns="91425" tIns="91425">
+            <a:noAutofit/>
+          </a:bodyPr>
+          <a:lstStyle/>
+          <a:p>
+            <a:pPr lvl="0">
+              <a:spcBef>
+                <a:spcPts val="0"/>
+              </a:spcBef>
+              <a:buNone/>
+            </a:pPr>
+            <a:r>
+              <a:t/>
+            </a:r>
+            <a:endParaRPr/>
+          </a:p>
+        </p:txBody>
+      </p:sp>
+      <p:pic>
+        <p:nvPicPr>
+          <p:cNvPr id="90" name="Shape 90"/>
+          <p:cNvPicPr preferRelativeResize="0"/>
+          <p:nvPr/>
+        </p:nvPicPr>
+        <p:blipFill rotWithShape="1">
+          <a:blip r:embed="rId3">
+            <a:alphaModFix/>
+          </a:blip>
+          <a:srcRect b="72270" l="0" r="73081" t="8315"/>
+          <a:stretch/>
+        </p:blipFill>
+        <p:spPr>
+          <a:xfrm>
+            <a:off x="3336475" y="0"/>
+            <a:ext cx="5958249" cy="4141176"/>
+          </a:xfrm>
+          <a:prstGeom prst="rect">
+            <a:avLst/>
+          </a:prstGeom>
+          <a:noFill/>
+          <a:ln>
+            <a:noFill/>
+          </a:ln>
+        </p:spPr>
+      </p:pic>
+      <p:sp>
+        <p:nvSpPr>
+          <p:cNvPr id="91" name="Shape 91"/>
+          <p:cNvSpPr txBox="1"/>
+          <p:nvPr/>
+        </p:nvSpPr>
+        <p:spPr>
+          <a:xfrm>
+            <a:off x="6570375" y="222325"/>
+            <a:ext cx="2573700" cy="2223300"/>
+          </a:xfrm>
+          <a:prstGeom prst="rect">
+            <a:avLst/>
+          </a:prstGeom>
+          <a:noFill/>
+          <a:ln>
+            <a:noFill/>
+          </a:ln>
+        </p:spPr>
+        <p:txBody>
+          <a:bodyPr anchorCtr="0" anchor="t" bIns="91425" lIns="91425" rIns="91425" tIns="91425">
+            <a:noAutofit/>
+          </a:bodyPr>
+          <a:lstStyle/>
+          <a:p>
+            <a:pPr lvl="0">
+              <a:spcBef>
+                <a:spcPts val="0"/>
+              </a:spcBef>
+              <a:buNone/>
+            </a:pPr>
+            <a:r>
+              <a:t/>
+            </a:r>
+            <a:endParaRPr/>
+          </a:p>
+        </p:txBody>
+      </p:sp>
+      <p:sp>
+        <p:nvSpPr>
+          <p:cNvPr id="92" name="Shape 92"/>
+          <p:cNvSpPr txBox="1"/>
+          <p:nvPr/>
+        </p:nvSpPr>
+        <p:spPr>
+          <a:xfrm>
+            <a:off x="6495000" y="165800"/>
+            <a:ext cx="2573700" cy="1770900"/>
+          </a:xfrm>
+          <a:prstGeom prst="rect">
+            <a:avLst/>
+          </a:prstGeom>
+          <a:noFill/>
+          <a:ln>
+            <a:noFill/>
+          </a:ln>
+        </p:spPr>
+        <p:txBody>
+          <a:bodyPr anchorCtr="0" anchor="t" bIns="91425" lIns="91425" rIns="91425" tIns="91425">
+            <a:noAutofit/>
+          </a:bodyPr>
+          <a:lstStyle/>
+          <a:p>
+            <a:pPr lvl="0">
+              <a:spcBef>
+                <a:spcPts val="0"/>
+              </a:spcBef>
+              <a:buNone/>
+            </a:pPr>
+            <a:r>
+              <a:rPr lang="en-GB" sz="2400"/>
+              <a:t>The asterisk * indicates that the program has not been saved. Press Ctrl+S to save the program</a:t>
+            </a:r>
+          </a:p>
+        </p:txBody>
+      </p:sp>
+      <p:cxnSp>
+        <p:nvCxnSpPr>
+          <p:cNvPr id="93" name="Shape 93"/>
+          <p:cNvCxnSpPr>
+            <a:stCxn id="92" idx="1"/>
+          </p:cNvCxnSpPr>
+          <p:nvPr/>
+        </p:nvCxnSpPr>
+        <p:spPr>
+          <a:xfrm rot="10800000">
+            <a:off x="3857400" y="561350"/>
+            <a:ext cx="2637600" cy="489900"/>
+          </a:xfrm>
+          <a:prstGeom prst="straightConnector1">
+            <a:avLst/>
+          </a:prstGeom>
+          <a:noFill/>
+          <a:ln cap="flat" cmpd="sng" w="28575">
+            <a:solidFill>
+              <a:schemeClr val="dk2"/>
+            </a:solidFill>
+            <a:prstDash val="solid"/>
+            <a:round/>
+            <a:headEnd len="lg" w="lg" type="none"/>
+            <a:tailEnd len="lg" w="lg" type="triangle"/>
+          </a:ln>
+        </p:spPr>
+      </p:cxnSp>
+    </p:spTree>
+  </p:cSld>
+  <p:clrMapOvr>
+    <a:masterClrMapping/>
+  </p:clrMapOvr>
+  <p:timing>
+    <p:tnLst>
+      <p:par>
+        <p:cTn dur="indefinite" nodeType="tmRoot" restart="never">
+          <p:childTnLst>
+            <p:seq concurrent="1" nextAc="seek">
+              <p:cTn dur="indefinite" id="2" nodeType="mainSeq">
+                <p:childTnLst>
+                  <p:par>
+                    <p:cTn fill="hold">
+                      <p:stCondLst>
+                        <p:cond delay="indefinite"/>
+                      </p:stCondLst>
+                      <p:childTnLst>
+                        <p:par>
+                          <p:cTn fill="hold">
+                            <p:stCondLst>
+                              <p:cond delay="0"/>
+                            </p:stCondLst>
+                            <p:childTnLst>
+                              <p:par>
+                                <p:cTn fill="hold" nodeType="clickEffect" presetClass="entr" presetID="2" presetSubtype="8">
+                                  <p:stCondLst>
+                                    <p:cond delay="0"/>
+                                  </p:stCondLst>
+                                  <p:childTnLst>
+                                    <p:set>
+                                      <p:cBhvr>
+                                        <p:cTn dur="1" fill="hold">
+                                          <p:stCondLst>
+                                            <p:cond delay="0"/>
+                                          </p:stCondLst>
+                                        </p:cTn>
+                                        <p:tgtEl>
+                                          <p:spTgt spid="93"/>
+                                        </p:tgtEl>
+                                        <p:attrNameLst>
+                                          <p:attrName>style.visibility</p:attrName>
+                                        </p:attrNameLst>
+                                      </p:cBhvr>
+                                      <p:to>
+                                        <p:strVal val="visible"/>
+                                      </p:to>
+                                    </p:set>
+                                    <p:anim calcmode="lin" valueType="num">
+                                      <p:cBhvr additive="base">
+                                        <p:cTn dur="1000"/>
+                                        <p:tgtEl>
+                                          <p:spTgt spid="93"/>
+                                        </p:tgtEl>
+                                        <p:attrNameLst>
+                                          <p:attrName>ppt_x</p:attrName>
+                                        </p:attrNameLst>
+                                      </p:cBhvr>
+                                      <p:tavLst>
+                                        <p:tav fmla="" tm="0">
+                                          <p:val>
+                                            <p:strVal val="#ppt_x-1"/>
+                                          </p:val>
+                                        </p:tav>
+                                        <p:tav fmla="" tm="100000">
+                                          <p:val>
+                                            <p:strVal val="#ppt_x"/>
+                                          </p:val>
+                                        </p:tav>
+                                      </p:tavLst>
+                                    </p:anim>
+                                  </p:childTnLst>
+                                </p:cTn>
+                              </p:par>
+                            </p:childTnLst>
+                          </p:cTn>
+                        </p:par>
+                      </p:childTnLst>
+                    </p:cTn>
+                  </p:par>
+                  <p:par>
+                    <p:cTn fill="hold">
+                      <p:stCondLst>
+                        <p:cond delay="indefinite"/>
+                      </p:stCondLst>
+                      <p:childTnLst>
+                        <p:par>
+                          <p:cTn fill="hold">
+                            <p:stCondLst>
+                              <p:cond delay="0"/>
+                            </p:stCondLst>
+                            <p:childTnLst>
+                              <p:par>
+                                <p:cTn fill="hold" nodeType="clickEffect" presetClass="entr" presetID="10" presetSubtype="0">
+                                  <p:stCondLst>
+                                    <p:cond delay="0"/>
+                                  </p:stCondLst>
+                                  <p:childTnLst>
+                                    <p:set>
+                                      <p:cBhvr>
+                                        <p:cTn dur="1" fill="hold">
+                                          <p:stCondLst>
+                                            <p:cond delay="0"/>
+                                          </p:stCondLst>
+                                        </p:cTn>
+                                        <p:tgtEl>
+                                          <p:spTgt spid="92"/>
+                                        </p:tgtEl>
+                                        <p:attrNameLst>
+                                          <p:attrName>style.visibility</p:attrName>
+                                        </p:attrNameLst>
+                                      </p:cBhvr>
+                                      <p:to>
+                                        <p:strVal val="visible"/>
+                                      </p:to>
+                                    </p:set>
+                                    <p:animEffect filter="fade" transition="in">
+                                      <p:cBhvr>
+                                        <p:cTn dur="1000"/>
+                                        <p:tgtEl>
+                                          <p:spTgt spid="92"/>
+                                        </p:tgtEl>
+                                      </p:cBhvr>
+                                    </p:animEffect>
+                                  </p:childTnLst>
+                                </p:cTn>
+                              </p:par>
+                            </p:childTnLst>
+                          </p:cTn>
+                        </p:par>
+                      </p:childTnLst>
+                    </p:cTn>
+                  </p:par>
+                </p:childTnLst>
+              </p:cTn>
+              <p:prevCondLst>
+                <p:cond evt="onPrev">
+                  <p:tgtEl>
+                    <p:sldTgt/>
+                  </p:tgtEl>
+                </p:cond>
+              </p:prevCondLst>
+              <p:nextCondLst>
+                <p:cond evt="onNext">
+                  <p:tgtEl>
+                    <p:sldTgt/>
+                  </p:tgtEl>
+                </p:cond>
+              </p:nextCondLst>
+            </p:seq>
+          </p:childTnLst>
+        </p:cTn>
+      </p:par>
+    </p:tnLst>
+  </p:timing>
+</p:sld>
+</file>
+
+<file path=ppt/slides/slide6.xml><?xml version="1.0" encoding="utf-8"?>
+<p:sld xmlns:a="http://schemas.openxmlformats.org/drawingml/2006/main" xmlns:r="http://schemas.openxmlformats.org/officeDocument/2006/relationships" xmlns:mc="http://schemas.openxmlformats.org/markup-compatibility/2006" xmlns:mv="urn:schemas-microsoft-com:mac:vml" xmlns:p="http://schemas.openxmlformats.org/presentationml/2006/main" xmlns:c="http://schemas.openxmlformats.org/drawingml/2006/chart" xmlns:dgm="http://schemas.openxmlformats.org/drawingml/2006/diagram" xmlns:o="urn:schemas-microsoft-com:office:office" xmlns:v="urn:schemas-microsoft-com:vml" xmlns:pvml="urn:schemas-microsoft-com:office:powerpoint" xmlns:com="http://schemas.openxmlformats.org/drawingml/2006/compatibility" xmlns:p14="http://schemas.microsoft.com/office/powerpoint/2010/main" xmlns:p15="http://schemas.microsoft.com/office/powerpoint/2012/main">
+  <p:cSld>
+    <p:spTree>
+      <p:nvGrpSpPr>
+        <p:cNvPr id="97" name="Shape 97"/>
+        <p:cNvGrpSpPr/>
+        <p:nvPr/>
+      </p:nvGrpSpPr>
+      <p:grpSpPr>
+        <a:xfrm>
+          <a:off x="0" y="0"/>
+          <a:ext cx="0" cy="0"/>
+          <a:chOff x="0" y="0"/>
+          <a:chExt cx="0" cy="0"/>
+        </a:xfrm>
+      </p:grpSpPr>
+      <p:sp>
+        <p:nvSpPr>
+          <p:cNvPr id="98" name="Shape 98"/>
+          <p:cNvSpPr txBox="1"/>
+          <p:nvPr>
+            <p:ph type="title"/>
+          </p:nvPr>
+        </p:nvSpPr>
+        <p:spPr>
+          <a:xfrm>
+            <a:off x="570350" y="310875"/>
+            <a:ext cx="8455500" cy="4182600"/>
+          </a:xfrm>
+          <a:prstGeom prst="rect">
+            <a:avLst/>
+          </a:prstGeom>
+        </p:spPr>
+        <p:txBody>
+          <a:bodyPr anchorCtr="0" anchor="ctr" bIns="91425" lIns="91425" rIns="91425" tIns="91425">
+            <a:noAutofit/>
+          </a:bodyPr>
+          <a:lstStyle/>
+          <a:p>
+            <a:pPr lvl="0" algn="l">
+              <a:spcBef>
+                <a:spcPts val="0"/>
+              </a:spcBef>
+              <a:buNone/>
+            </a:pPr>
+            <a:r>
+              <a:rPr b="0" lang="en-GB">
+                <a:latin typeface="Times New Roman"/>
+                <a:ea typeface="Times New Roman"/>
+                <a:cs typeface="Times New Roman"/>
+                <a:sym typeface="Times New Roman"/>
+              </a:rPr>
+              <a:t>‘</a:t>
+            </a:r>
+            <a:r>
+              <a:rPr b="0" lang="en-GB">
+                <a:latin typeface="Times New Roman"/>
+                <a:ea typeface="Times New Roman"/>
+                <a:cs typeface="Times New Roman"/>
+                <a:sym typeface="Times New Roman"/>
+              </a:rPr>
+              <a:t>#! /usr/bin/env python 3’ is a shebang and MUST BE included in THE FIRST LINE. In Python, the commands after hashtag # will be seen as comments, but NOT IN THIS CASE. </a:t>
+            </a:r>
+          </a:p>
+        </p:txBody>
+      </p:sp>
+    </p:spTree>
+  </p:cSld>
+  <p:clrMapOvr>
+    <a:masterClrMapping/>
+  </p:clrMapOvr>
+</p:sld>
+</file>
+
+<file path=ppt/slides/slide7.xml><?xml version="1.0" encoding="utf-8"?>
+<p:sld xmlns:a="http://schemas.openxmlformats.org/drawingml/2006/main" xmlns:r="http://schemas.openxmlformats.org/officeDocument/2006/relationships" xmlns:mc="http://schemas.openxmlformats.org/markup-compatibility/2006" xmlns:mv="urn:schemas-microsoft-com:mac:vml" xmlns:p="http://schemas.openxmlformats.org/presentationml/2006/main" xmlns:c="http://schemas.openxmlformats.org/drawingml/2006/chart" xmlns:dgm="http://schemas.openxmlformats.org/drawingml/2006/diagram" xmlns:o="urn:schemas-microsoft-com:office:office" xmlns:v="urn:schemas-microsoft-com:vml" xmlns:pvml="urn:schemas-microsoft-com:office:powerpoint" xmlns:com="http://schemas.openxmlformats.org/drawingml/2006/compatibility" xmlns:p14="http://schemas.microsoft.com/office/powerpoint/2010/main" xmlns:p15="http://schemas.microsoft.com/office/powerpoint/2012/main">
+  <p:cSld>
+    <p:spTree>
+      <p:nvGrpSpPr>
+        <p:cNvPr id="102" name="Shape 102"/>
+        <p:cNvGrpSpPr/>
+        <p:nvPr/>
+      </p:nvGrpSpPr>
+      <p:grpSpPr>
+        <a:xfrm>
+          <a:off x="0" y="0"/>
+          <a:ext cx="0" cy="0"/>
+          <a:chOff x="0" y="0"/>
+          <a:chExt cx="0" cy="0"/>
+        </a:xfrm>
+      </p:grpSpPr>
+      <p:sp>
+        <p:nvSpPr>
+          <p:cNvPr id="103" name="Shape 103"/>
+          <p:cNvSpPr txBox="1"/>
+          <p:nvPr>
+            <p:ph type="title"/>
+          </p:nvPr>
+        </p:nvSpPr>
+        <p:spPr>
+          <a:xfrm>
+            <a:off x="344250" y="448400"/>
+            <a:ext cx="8455500" cy="4389900"/>
+          </a:xfrm>
+          <a:prstGeom prst="rect">
+            <a:avLst/>
+          </a:prstGeom>
+        </p:spPr>
+        <p:txBody>
+          <a:bodyPr anchorCtr="0" anchor="ctr" bIns="91425" lIns="91425" rIns="91425" tIns="91425">
+            <a:noAutofit/>
+          </a:bodyPr>
+          <a:lstStyle/>
+          <a:p>
+            <a:pPr lvl="0">
+              <a:spcBef>
+                <a:spcPts val="0"/>
+              </a:spcBef>
+              <a:buNone/>
+            </a:pPr>
+            <a:r>
+              <a:rPr b="0" lang="en-GB">
+                <a:latin typeface="Times New Roman"/>
+                <a:ea typeface="Times New Roman"/>
+                <a:cs typeface="Times New Roman"/>
+                <a:sym typeface="Times New Roman"/>
+              </a:rPr>
+              <a:t>‘from ev3dev.ev3 import *’ imports all packages from ev3dev to control the robot. This is the best command to import ev3dev packages. There might be errors if you use other commands</a:t>
+            </a:r>
+          </a:p>
+        </p:txBody>
+      </p:sp>
+    </p:spTree>
+  </p:cSld>
+  <p:clrMapOvr>
+    <a:masterClrMapping/>
+  </p:clrMapOvr>
+</p:sld>
+</file>
+
+<file path=ppt/slides/slide8.xml><?xml version="1.0" encoding="utf-8"?>
+<p:sld xmlns:a="http://schemas.openxmlformats.org/drawingml/2006/main" xmlns:r="http://schemas.openxmlformats.org/officeDocument/2006/relationships" xmlns:mc="http://schemas.openxmlformats.org/markup-compatibility/2006" xmlns:mv="urn:schemas-microsoft-com:mac:vml" xmlns:p="http://schemas.openxmlformats.org/presentationml/2006/main" xmlns:c="http://schemas.openxmlformats.org/drawingml/2006/chart" xmlns:dgm="http://schemas.openxmlformats.org/drawingml/2006/diagram" xmlns:o="urn:schemas-microsoft-com:office:office" xmlns:v="urn:schemas-microsoft-com:vml" xmlns:pvml="urn:schemas-microsoft-com:office:powerpoint" xmlns:com="http://schemas.openxmlformats.org/drawingml/2006/compatibility" xmlns:p14="http://schemas.microsoft.com/office/powerpoint/2010/main" xmlns:p15="http://schemas.microsoft.com/office/powerpoint/2012/main">
+  <p:cSld>
+    <p:spTree>
+      <p:nvGrpSpPr>
+        <p:cNvPr id="107" name="Shape 107"/>
+        <p:cNvGrpSpPr/>
+        <p:nvPr/>
+      </p:nvGrpSpPr>
+      <p:grpSpPr>
+        <a:xfrm>
+          <a:off x="0" y="0"/>
+          <a:ext cx="0" cy="0"/>
+          <a:chOff x="0" y="0"/>
+          <a:chExt cx="0" cy="0"/>
+        </a:xfrm>
+      </p:grpSpPr>
+      <p:sp>
+        <p:nvSpPr>
+          <p:cNvPr id="108" name="Shape 108"/>
+          <p:cNvSpPr txBox="1"/>
+          <p:nvPr>
+            <p:ph type="title"/>
+          </p:nvPr>
+        </p:nvSpPr>
+        <p:spPr>
+          <a:xfrm>
+            <a:off x="344250" y="260025"/>
+            <a:ext cx="8455500" cy="4446300"/>
+          </a:xfrm>
+          <a:prstGeom prst="rect">
+            <a:avLst/>
+          </a:prstGeom>
+        </p:spPr>
+        <p:txBody>
+          <a:bodyPr anchorCtr="0" anchor="ctr" bIns="91425" lIns="91425" rIns="91425" tIns="91425">
+            <a:noAutofit/>
+          </a:bodyPr>
+          <a:lstStyle/>
+          <a:p>
+            <a:pPr lvl="0">
+              <a:spcBef>
+                <a:spcPts val="0"/>
+              </a:spcBef>
+              <a:buNone/>
+            </a:pPr>
+            <a:r>
+              <a:rPr b="0" lang="en-GB"/>
+              <a:t>In Python, there is no delay() command like in Arduino to wait for an amount of time. Therefore  we have to import sleep method from time ‘from time import sleep’</a:t>
+            </a:r>
+          </a:p>
+        </p:txBody>
+      </p:sp>
+    </p:spTree>
+  </p:cSld>
+  <p:clrMapOvr>
+    <a:masterClrMapping/>
+  </p:clrMapOvr>
+</p:sld>
+</file>
+
+<file path=ppt/slides/slide9.xml><?xml version="1.0" encoding="utf-8"?>
+<p:sld xmlns:a="http://schemas.openxmlformats.org/drawingml/2006/main" xmlns:r="http://schemas.openxmlformats.org/officeDocument/2006/relationships" xmlns:mc="http://schemas.openxmlformats.org/markup-compatibility/2006" xmlns:mv="urn:schemas-microsoft-com:mac:vml" xmlns:p="http://schemas.openxmlformats.org/presentationml/2006/main" xmlns:c="http://schemas.openxmlformats.org/drawingml/2006/chart" xmlns:dgm="http://schemas.openxmlformats.org/drawingml/2006/diagram" xmlns:o="urn:schemas-microsoft-com:office:office" xmlns:v="urn:schemas-microsoft-com:vml" xmlns:pvml="urn:schemas-microsoft-com:office:powerpoint" xmlns:com="http://schemas.openxmlformats.org/drawingml/2006/compatibility" xmlns:p14="http://schemas.microsoft.com/office/powerpoint/2010/main" xmlns:p15="http://schemas.microsoft.com/office/powerpoint/2012/main">
+  <p:cSld>
+    <p:spTree>
+      <p:nvGrpSpPr>
+        <p:cNvPr id="112" name="Shape 112"/>
+        <p:cNvGrpSpPr/>
+        <p:nvPr/>
+      </p:nvGrpSpPr>
+      <p:grpSpPr>
+        <a:xfrm>
+          <a:off x="0" y="0"/>
+          <a:ext cx="0" cy="0"/>
+          <a:chOff x="0" y="0"/>
+          <a:chExt cx="0" cy="0"/>
+        </a:xfrm>
+      </p:grpSpPr>
+      <p:sp>
+        <p:nvSpPr>
+          <p:cNvPr id="113" name="Shape 113"/>
+          <p:cNvSpPr txBox="1"/>
+          <p:nvPr>
+            <p:ph type="title"/>
+          </p:nvPr>
+        </p:nvSpPr>
+        <p:spPr>
+          <a:xfrm>
+            <a:off x="344250" y="260025"/>
+            <a:ext cx="8455500" cy="4446300"/>
+          </a:xfrm>
+          <a:prstGeom prst="rect">
+            <a:avLst/>
+          </a:prstGeom>
+        </p:spPr>
+        <p:txBody>
+          <a:bodyPr anchorCtr="0" anchor="ctr" bIns="91425" lIns="91425" rIns="91425" tIns="91425">
+            <a:noAutofit/>
+          </a:bodyPr>
+          <a:lstStyle/>
+          <a:p>
+            <a:pPr lvl="0" rtl="0">
+              <a:spcBef>
+                <a:spcPts val="0"/>
+              </a:spcBef>
+              <a:buNone/>
+            </a:pPr>
+            <a:r>
+              <a:rPr b="0" lang="en-GB"/>
+              <a:t>In Python, there is no delay() command like in Arduino to wait for an amount of time. Therefore  we have to import sleep method from time ‘from time import sleep’</a:t>
+            </a:r>
           </a:p>
         </p:txBody>
       </p:sp>
